--- a/docs/media/cheat-sheet-outcome.pptx
+++ b/docs/media/cheat-sheet-outcome.pptx
@@ -2124,7 +2124,7 @@
           </a:ln>
           <a:extLst>
             <a:ext uri="{C572A759-6A51-4108-AA02-DFA0A04FC94B}">
-              <ma14:wrappingTextBoxFlag xmlns="" xmlns:m="http://schemas.openxmlformats.org/officeDocument/2006/math" xmlns:a14="http://schemas.microsoft.com/office/drawing/2010/main" xmlns:ma14="http://schemas.microsoft.com/office/mac/drawingml/2011/main" val="1"/>
+              <ma14:wrappingTextBoxFlag xmlns:ma14="http://schemas.microsoft.com/office/mac/drawingml/2011/main" xmlns:a14="http://schemas.microsoft.com/office/drawing/2010/main" xmlns:m="http://schemas.openxmlformats.org/officeDocument/2006/math" xmlns="" val="1"/>
             </a:ext>
           </a:extLst>
         </p:spPr>
@@ -2163,7 +2163,7 @@
           </a:ln>
           <a:extLst>
             <a:ext uri="{C572A759-6A51-4108-AA02-DFA0A04FC94B}">
-              <ma14:wrappingTextBoxFlag xmlns="" xmlns:m="http://schemas.openxmlformats.org/officeDocument/2006/math" xmlns:a14="http://schemas.microsoft.com/office/drawing/2010/main" xmlns:ma14="http://schemas.microsoft.com/office/mac/drawingml/2011/main" val="1"/>
+              <ma14:wrappingTextBoxFlag xmlns:ma14="http://schemas.microsoft.com/office/mac/drawingml/2011/main" xmlns:a14="http://schemas.microsoft.com/office/drawing/2010/main" xmlns:m="http://schemas.openxmlformats.org/officeDocument/2006/math" xmlns="" val="1"/>
             </a:ext>
           </a:extLst>
         </p:spPr>
@@ -3187,7 +3187,7 @@
           </a:ln>
           <a:extLst>
             <a:ext uri="{C572A759-6A51-4108-AA02-DFA0A04FC94B}">
-              <ma14:wrappingTextBoxFlag xmlns="" xmlns:m="http://schemas.openxmlformats.org/officeDocument/2006/math" xmlns:a14="http://schemas.microsoft.com/office/drawing/2010/main" xmlns:ma14="http://schemas.microsoft.com/office/mac/drawingml/2011/main" val="1"/>
+              <ma14:wrappingTextBoxFlag xmlns:ma14="http://schemas.microsoft.com/office/mac/drawingml/2011/main" xmlns:a14="http://schemas.microsoft.com/office/drawing/2010/main" xmlns:m="http://schemas.openxmlformats.org/officeDocument/2006/math" xmlns="" val="1"/>
             </a:ext>
           </a:extLst>
         </p:spPr>
@@ -3236,7 +3236,7 @@
           </a:ln>
           <a:extLst>
             <a:ext uri="{C572A759-6A51-4108-AA02-DFA0A04FC94B}">
-              <ma14:wrappingTextBoxFlag xmlns="" xmlns:m="http://schemas.openxmlformats.org/officeDocument/2006/math" xmlns:a14="http://schemas.microsoft.com/office/drawing/2010/main" xmlns:ma14="http://schemas.microsoft.com/office/mac/drawingml/2011/main" val="1"/>
+              <ma14:wrappingTextBoxFlag xmlns:ma14="http://schemas.microsoft.com/office/mac/drawingml/2011/main" xmlns:a14="http://schemas.microsoft.com/office/drawing/2010/main" xmlns:m="http://schemas.openxmlformats.org/officeDocument/2006/math" xmlns="" val="1"/>
             </a:ext>
           </a:extLst>
         </p:spPr>
@@ -3305,7 +3305,7 @@
                 <a:latin typeface="Source Sans Pro" panose="020B0503030403020204" pitchFamily="34" charset="0"/>
                 <a:ea typeface="Source Sans Pro" panose="020B0503030403020204" pitchFamily="34" charset="0"/>
               </a:rPr>
-              <a:t>(result and/or Exception) to simulate unexpected response.</a:t>
+              <a:t>(result and/or Exception) to simulate an unexpected response.</a:t>
             </a:r>
           </a:p>
           <a:p>
@@ -3448,7 +3448,7 @@
           </a:effectLst>
           <a:extLst>
             <a:ext uri="{C572A759-6A51-4108-AA02-DFA0A04FC94B}">
-              <ma14:wrappingTextBoxFlag xmlns="" xmlns:m="http://schemas.openxmlformats.org/officeDocument/2006/math" xmlns:a14="http://schemas.microsoft.com/office/drawing/2010/main" xmlns:ma14="http://schemas.microsoft.com/office/mac/drawingml/2011/main" val="1"/>
+              <ma14:wrappingTextBoxFlag xmlns:ma14="http://schemas.microsoft.com/office/mac/drawingml/2011/main" xmlns:a14="http://schemas.microsoft.com/office/drawing/2010/main" xmlns:m="http://schemas.openxmlformats.org/officeDocument/2006/math" xmlns="" val="1"/>
             </a:ext>
           </a:extLst>
         </p:spPr>
@@ -3516,7 +3516,7 @@
           </a:ln>
           <a:extLst>
             <a:ext uri="{C572A759-6A51-4108-AA02-DFA0A04FC94B}">
-              <ma14:wrappingTextBoxFlag xmlns="" xmlns:m="http://schemas.openxmlformats.org/officeDocument/2006/math" xmlns:a14="http://schemas.microsoft.com/office/drawing/2010/main" xmlns:ma14="http://schemas.microsoft.com/office/mac/drawingml/2011/main" val="1"/>
+              <ma14:wrappingTextBoxFlag xmlns:ma14="http://schemas.microsoft.com/office/mac/drawingml/2011/main" xmlns:a14="http://schemas.microsoft.com/office/drawing/2010/main" xmlns:m="http://schemas.openxmlformats.org/officeDocument/2006/math" xmlns="" val="1"/>
             </a:ext>
           </a:extLst>
         </p:spPr>
@@ -3565,7 +3565,7 @@
           </a:effectLst>
           <a:extLst>
             <a:ext uri="{C572A759-6A51-4108-AA02-DFA0A04FC94B}">
-              <ma14:wrappingTextBoxFlag xmlns="" xmlns:m="http://schemas.openxmlformats.org/officeDocument/2006/math" xmlns:a14="http://schemas.microsoft.com/office/drawing/2010/main" xmlns:ma14="http://schemas.microsoft.com/office/mac/drawingml/2011/main" val="1"/>
+              <ma14:wrappingTextBoxFlag xmlns:ma14="http://schemas.microsoft.com/office/mac/drawingml/2011/main" xmlns:a14="http://schemas.microsoft.com/office/drawing/2010/main" xmlns:m="http://schemas.openxmlformats.org/officeDocument/2006/math" xmlns="" val="1"/>
             </a:ext>
           </a:extLst>
         </p:spPr>
@@ -3633,7 +3633,7 @@
           </a:ln>
           <a:extLst>
             <a:ext uri="{C572A759-6A51-4108-AA02-DFA0A04FC94B}">
-              <ma14:wrappingTextBoxFlag xmlns="" xmlns:m="http://schemas.openxmlformats.org/officeDocument/2006/math" xmlns:a14="http://schemas.microsoft.com/office/drawing/2010/main" xmlns:ma14="http://schemas.microsoft.com/office/mac/drawingml/2011/main" val="1"/>
+              <ma14:wrappingTextBoxFlag xmlns:ma14="http://schemas.microsoft.com/office/mac/drawingml/2011/main" xmlns:a14="http://schemas.microsoft.com/office/drawing/2010/main" xmlns:m="http://schemas.openxmlformats.org/officeDocument/2006/math" xmlns="" val="1"/>
             </a:ext>
           </a:extLst>
         </p:spPr>
@@ -3678,7 +3678,7 @@
           </a:ln>
           <a:extLst>
             <a:ext uri="{C572A759-6A51-4108-AA02-DFA0A04FC94B}">
-              <ma14:wrappingTextBoxFlag xmlns="" xmlns:m="http://schemas.openxmlformats.org/officeDocument/2006/math" xmlns:a14="http://schemas.microsoft.com/office/drawing/2010/main" xmlns:ma14="http://schemas.microsoft.com/office/mac/drawingml/2011/main" val="1"/>
+              <ma14:wrappingTextBoxFlag xmlns:ma14="http://schemas.microsoft.com/office/mac/drawingml/2011/main" xmlns:a14="http://schemas.microsoft.com/office/drawing/2010/main" xmlns:m="http://schemas.openxmlformats.org/officeDocument/2006/math" xmlns="" val="1"/>
             </a:ext>
           </a:extLst>
         </p:spPr>
@@ -3735,7 +3735,7 @@
         </p:nvSpPr>
         <p:spPr>
           <a:xfrm>
-            <a:off x="6014300" y="5297285"/>
+            <a:off x="6014301" y="5164773"/>
             <a:ext cx="7254761" cy="387049"/>
           </a:xfrm>
           <a:prstGeom prst="rect">
@@ -3746,7 +3746,7 @@
           </a:ln>
           <a:extLst>
             <a:ext uri="{C572A759-6A51-4108-AA02-DFA0A04FC94B}">
-              <ma14:wrappingTextBoxFlag xmlns="" xmlns:m="http://schemas.openxmlformats.org/officeDocument/2006/math" xmlns:a14="http://schemas.microsoft.com/office/drawing/2010/main" xmlns:ma14="http://schemas.microsoft.com/office/mac/drawingml/2011/main" val="1"/>
+              <ma14:wrappingTextBoxFlag xmlns:ma14="http://schemas.microsoft.com/office/mac/drawingml/2011/main" xmlns:a14="http://schemas.microsoft.com/office/drawing/2010/main" xmlns:m="http://schemas.openxmlformats.org/officeDocument/2006/math" xmlns="" val="1"/>
             </a:ext>
           </a:extLst>
         </p:spPr>
@@ -3822,7 +3822,7 @@
           </a:ln>
           <a:extLst>
             <a:ext uri="{C572A759-6A51-4108-AA02-DFA0A04FC94B}">
-              <ma14:wrappingTextBoxFlag xmlns="" xmlns:m="http://schemas.openxmlformats.org/officeDocument/2006/math" xmlns:a14="http://schemas.microsoft.com/office/drawing/2010/main" xmlns:ma14="http://schemas.microsoft.com/office/mac/drawingml/2011/main" val="1"/>
+              <ma14:wrappingTextBoxFlag xmlns:ma14="http://schemas.microsoft.com/office/mac/drawingml/2011/main" xmlns:a14="http://schemas.microsoft.com/office/drawing/2010/main" xmlns:m="http://schemas.openxmlformats.org/officeDocument/2006/math" xmlns="" val="1"/>
             </a:ext>
           </a:extLst>
         </p:spPr>
@@ -4616,7 +4616,7 @@
         <p:spPr>
           <a:xfrm>
             <a:off x="6014302" y="1807653"/>
-            <a:ext cx="7254762" cy="3353268"/>
+            <a:ext cx="7254762" cy="3253910"/>
           </a:xfrm>
           <a:prstGeom prst="rect">
             <a:avLst/>
@@ -5082,22 +5082,12 @@
             <a:r>
               <a:rPr lang="en-GB" b="0" dirty="0">
                 <a:solidFill>
-                  <a:srgbClr val="000000"/>
-                </a:solidFill>
-                <a:effectLst/>
-                <a:latin typeface="Menlo" panose="020B0609030804020204" pitchFamily="49" charset="0"/>
-              </a:rPr>
-              <a:t>        &gt;= </a:t>
-            </a:r>
-            <a:r>
-              <a:rPr lang="en-GB" b="0" dirty="0">
-                <a:solidFill>
-                  <a:srgbClr val="098658"/>
-                </a:solidFill>
-                <a:effectLst/>
-                <a:latin typeface="Menlo" panose="020B0609030804020204" pitchFamily="49" charset="0"/>
-              </a:rPr>
-              <a:t>0.4</a:t>
+                  <a:srgbClr val="0000FF"/>
+                </a:solidFill>
+                <a:effectLst/>
+                <a:latin typeface="Menlo" panose="020B0609030804020204" pitchFamily="49" charset="0"/>
+              </a:rPr>
+              <a:t>	  _</a:t>
             </a:r>
             <a:r>
               <a:rPr lang="en-GB" b="0" dirty="0">
@@ -5117,58 +5107,26 @@
                 <a:effectLst/>
                 <a:latin typeface="Menlo" panose="020B0609030804020204" pitchFamily="49" charset="0"/>
               </a:rPr>
-              <a:t>HttpStatusCode.RequestTimeout</a:t>
-            </a:r>
-            <a:r>
-              <a:rPr lang="en-GB" b="0" dirty="0">
-                <a:solidFill>
-                  <a:srgbClr val="000000"/>
-                </a:solidFill>
-                <a:effectLst/>
-                <a:latin typeface="Menlo" panose="020B0609030804020204" pitchFamily="49" charset="0"/>
-              </a:rPr>
-              <a:t>,</a:t>
-            </a:r>
-          </a:p>
-          <a:p>
-            <a:r>
-              <a:rPr lang="en-GB" b="0" dirty="0">
-                <a:solidFill>
-                  <a:srgbClr val="0000FF"/>
-                </a:solidFill>
-                <a:effectLst/>
-                <a:latin typeface="Menlo" panose="020B0609030804020204" pitchFamily="49" charset="0"/>
-              </a:rPr>
-              <a:t>        _</a:t>
-            </a:r>
-            <a:r>
-              <a:rPr lang="en-GB" b="0" dirty="0">
-                <a:solidFill>
-                  <a:srgbClr val="000000"/>
-                </a:solidFill>
-                <a:effectLst/>
-                <a:latin typeface="Menlo" panose="020B0609030804020204" pitchFamily="49" charset="0"/>
-              </a:rPr>
-              <a:t> =&gt; </a:t>
+              <a:t>HttpStatusCode</a:t>
             </a:r>
             <a:r>
               <a:rPr lang="en-GB" b="0" dirty="0" err="1">
                 <a:solidFill>
                   <a:srgbClr val="000000"/>
                 </a:solidFill>
-                <a:effectLst/>
-                <a:latin typeface="Menlo" panose="020B0609030804020204" pitchFamily="49" charset="0"/>
-              </a:rPr>
-              <a:t>HttpStatusCode</a:t>
+                <a:latin typeface="Menlo" panose="020B0609030804020204" pitchFamily="49" charset="0"/>
+              </a:rPr>
+              <a:t>.</a:t>
             </a:r>
             <a:r>
               <a:rPr lang="en-GB" b="0" dirty="0" err="1">
                 <a:solidFill>
                   <a:srgbClr val="000000"/>
                 </a:solidFill>
-                <a:latin typeface="Menlo" panose="020B0609030804020204" pitchFamily="49" charset="0"/>
-              </a:rPr>
-              <a:t>.OK</a:t>
+                <a:effectLst/>
+                <a:latin typeface="Menlo" panose="020B0609030804020204" pitchFamily="49" charset="0"/>
+              </a:rPr>
+              <a:t>RequestTimeout</a:t>
             </a:r>
             <a:endParaRPr lang="en-GB" b="0" dirty="0">
               <a:solidFill>
@@ -5351,8 +5309,8 @@
         </p:nvSpPr>
         <p:spPr>
           <a:xfrm>
-            <a:off x="6014301" y="5750480"/>
-            <a:ext cx="7254762" cy="2332230"/>
+            <a:off x="6014301" y="5638807"/>
+            <a:ext cx="7254762" cy="2443903"/>
           </a:xfrm>
           <a:prstGeom prst="rect">
             <a:avLst/>

--- a/docs/media/cheat-sheet-outcome.pptx
+++ b/docs/media/cheat-sheet-outcome.pptx
@@ -2124,7 +2124,7 @@
           </a:ln>
           <a:extLst>
             <a:ext uri="{C572A759-6A51-4108-AA02-DFA0A04FC94B}">
-              <ma14:wrappingTextBoxFlag xmlns:ma14="http://schemas.microsoft.com/office/mac/drawingml/2011/main" xmlns:a14="http://schemas.microsoft.com/office/drawing/2010/main" xmlns:m="http://schemas.openxmlformats.org/officeDocument/2006/math" xmlns="" val="1"/>
+              <ma14:wrappingTextBoxFlag xmlns="" xmlns:m="http://schemas.openxmlformats.org/officeDocument/2006/math" xmlns:a14="http://schemas.microsoft.com/office/drawing/2010/main" xmlns:ma14="http://schemas.microsoft.com/office/mac/drawingml/2011/main" val="1"/>
             </a:ext>
           </a:extLst>
         </p:spPr>
@@ -2163,7 +2163,7 @@
           </a:ln>
           <a:extLst>
             <a:ext uri="{C572A759-6A51-4108-AA02-DFA0A04FC94B}">
-              <ma14:wrappingTextBoxFlag xmlns:ma14="http://schemas.microsoft.com/office/mac/drawingml/2011/main" xmlns:a14="http://schemas.microsoft.com/office/drawing/2010/main" xmlns:m="http://schemas.openxmlformats.org/officeDocument/2006/math" xmlns="" val="1"/>
+              <ma14:wrappingTextBoxFlag xmlns="" xmlns:m="http://schemas.openxmlformats.org/officeDocument/2006/math" xmlns:a14="http://schemas.microsoft.com/office/drawing/2010/main" xmlns:ma14="http://schemas.microsoft.com/office/mac/drawingml/2011/main" val="1"/>
             </a:ext>
           </a:extLst>
         </p:spPr>
@@ -3132,8 +3132,8 @@
         </p:nvSpPr>
         <p:spPr>
           <a:xfrm>
-            <a:off x="611542" y="4157649"/>
-            <a:ext cx="4973917" cy="1484575"/>
+            <a:off x="631032" y="4157649"/>
+            <a:ext cx="5119318" cy="1484575"/>
           </a:xfrm>
           <a:prstGeom prst="rect">
             <a:avLst/>
@@ -3187,7 +3187,7 @@
           </a:ln>
           <a:extLst>
             <a:ext uri="{C572A759-6A51-4108-AA02-DFA0A04FC94B}">
-              <ma14:wrappingTextBoxFlag xmlns:ma14="http://schemas.microsoft.com/office/mac/drawingml/2011/main" xmlns:a14="http://schemas.microsoft.com/office/drawing/2010/main" xmlns:m="http://schemas.openxmlformats.org/officeDocument/2006/math" xmlns="" val="1"/>
+              <ma14:wrappingTextBoxFlag xmlns="" xmlns:m="http://schemas.openxmlformats.org/officeDocument/2006/math" xmlns:a14="http://schemas.microsoft.com/office/drawing/2010/main" xmlns:ma14="http://schemas.microsoft.com/office/mac/drawingml/2011/main" val="1"/>
             </a:ext>
           </a:extLst>
         </p:spPr>
@@ -3225,8 +3225,8 @@
         </p:nvSpPr>
         <p:spPr>
           <a:xfrm>
-            <a:off x="748025" y="4260179"/>
-            <a:ext cx="4832644" cy="1378628"/>
+            <a:off x="748024" y="4260179"/>
+            <a:ext cx="5119317" cy="1378628"/>
           </a:xfrm>
           <a:prstGeom prst="rect">
             <a:avLst/>
@@ -3236,7 +3236,7 @@
           </a:ln>
           <a:extLst>
             <a:ext uri="{C572A759-6A51-4108-AA02-DFA0A04FC94B}">
-              <ma14:wrappingTextBoxFlag xmlns:ma14="http://schemas.microsoft.com/office/mac/drawingml/2011/main" xmlns:a14="http://schemas.microsoft.com/office/drawing/2010/main" xmlns:m="http://schemas.openxmlformats.org/officeDocument/2006/math" xmlns="" val="1"/>
+              <ma14:wrappingTextBoxFlag xmlns="" xmlns:m="http://schemas.openxmlformats.org/officeDocument/2006/math" xmlns:a14="http://schemas.microsoft.com/office/drawing/2010/main" xmlns:ma14="http://schemas.microsoft.com/office/mac/drawingml/2011/main" val="1"/>
             </a:ext>
           </a:extLst>
         </p:spPr>
@@ -3448,7 +3448,7 @@
           </a:effectLst>
           <a:extLst>
             <a:ext uri="{C572A759-6A51-4108-AA02-DFA0A04FC94B}">
-              <ma14:wrappingTextBoxFlag xmlns:ma14="http://schemas.microsoft.com/office/mac/drawingml/2011/main" xmlns:a14="http://schemas.microsoft.com/office/drawing/2010/main" xmlns:m="http://schemas.openxmlformats.org/officeDocument/2006/math" xmlns="" val="1"/>
+              <ma14:wrappingTextBoxFlag xmlns="" xmlns:m="http://schemas.openxmlformats.org/officeDocument/2006/math" xmlns:a14="http://schemas.microsoft.com/office/drawing/2010/main" xmlns:ma14="http://schemas.microsoft.com/office/mac/drawingml/2011/main" val="1"/>
             </a:ext>
           </a:extLst>
         </p:spPr>
@@ -3481,7 +3481,7 @@
                   <a:srgbClr val="628DB5"/>
                 </a:solidFill>
               </a:rPr>
-              <a:t>Specify single result - short form</a:t>
+              <a:t>Specify single result</a:t>
             </a:r>
             <a:endParaRPr sz="2000" b="0" dirty="0">
               <a:solidFill>
@@ -3516,7 +3516,7 @@
           </a:ln>
           <a:extLst>
             <a:ext uri="{C572A759-6A51-4108-AA02-DFA0A04FC94B}">
-              <ma14:wrappingTextBoxFlag xmlns:ma14="http://schemas.microsoft.com/office/mac/drawingml/2011/main" xmlns:a14="http://schemas.microsoft.com/office/drawing/2010/main" xmlns:m="http://schemas.openxmlformats.org/officeDocument/2006/math" xmlns="" val="1"/>
+              <ma14:wrappingTextBoxFlag xmlns="" xmlns:m="http://schemas.openxmlformats.org/officeDocument/2006/math" xmlns:a14="http://schemas.microsoft.com/office/drawing/2010/main" xmlns:ma14="http://schemas.microsoft.com/office/mac/drawingml/2011/main" val="1"/>
             </a:ext>
           </a:extLst>
         </p:spPr>
@@ -3532,78 +3532,6 @@
               </a:solidFill>
               <a:effectLst/>
               <a:latin typeface="Menlo" panose="020B0609030804020204" pitchFamily="49" charset="0"/>
-            </a:endParaRPr>
-          </a:p>
-        </p:txBody>
-      </p:sp>
-      <p:sp>
-        <p:nvSpPr>
-          <p:cNvPr id="8" name="Use a layout that flows and makes it easy to zero in on specific topics.">
-            <a:extLst>
-              <a:ext uri="{FF2B5EF4-FFF2-40B4-BE49-F238E27FC236}">
-                <a16:creationId xmlns:a16="http://schemas.microsoft.com/office/drawing/2014/main" id="{1639158E-8240-89B1-E247-2585D77B867F}"/>
-              </a:ext>
-            </a:extLst>
-          </p:cNvPr>
-          <p:cNvSpPr txBox="1"/>
-          <p:nvPr/>
-        </p:nvSpPr>
-        <p:spPr>
-          <a:xfrm>
-            <a:off x="688847" y="7295098"/>
-            <a:ext cx="4667257" cy="387049"/>
-          </a:xfrm>
-          <a:prstGeom prst="rect">
-            <a:avLst/>
-          </a:prstGeom>
-          <a:noFill/>
-          <a:ln w="12700">
-            <a:miter lim="400000"/>
-          </a:ln>
-          <a:effectLst>
-            <a:softEdge rad="0"/>
-          </a:effectLst>
-          <a:extLst>
-            <a:ext uri="{C572A759-6A51-4108-AA02-DFA0A04FC94B}">
-              <ma14:wrappingTextBoxFlag xmlns:ma14="http://schemas.microsoft.com/office/mac/drawingml/2011/main" xmlns:a14="http://schemas.microsoft.com/office/drawing/2010/main" xmlns:m="http://schemas.openxmlformats.org/officeDocument/2006/math" xmlns="" val="1"/>
-            </a:ext>
-          </a:extLst>
-        </p:spPr>
-        <p:txBody>
-          <a:bodyPr lIns="0" tIns="0" rIns="0" bIns="0">
-            <a:normAutofit/>
-          </a:bodyPr>
-          <a:lstStyle/>
-          <a:p>
-            <a:pPr>
-              <a:lnSpc>
-                <a:spcPct val="90000"/>
-              </a:lnSpc>
-              <a:spcBef>
-                <a:spcPts val="0"/>
-              </a:spcBef>
-              <a:buClr>
-                <a:srgbClr val="000000"/>
-              </a:buClr>
-              <a:buSzPct val="100000"/>
-              <a:defRPr b="0">
-                <a:solidFill>
-                  <a:srgbClr val="000000"/>
-                </a:solidFill>
-              </a:defRPr>
-            </a:pPr>
-            <a:r>
-              <a:rPr lang="en-US" sz="2000" b="0" dirty="0">
-                <a:solidFill>
-                  <a:srgbClr val="628DB5"/>
-                </a:solidFill>
-              </a:rPr>
-              <a:t>Specify single result – long form</a:t>
-            </a:r>
-            <a:endParaRPr sz="2000" b="0" dirty="0">
-              <a:solidFill>
-                <a:srgbClr val="628DB5"/>
-              </a:solidFill>
             </a:endParaRPr>
           </a:p>
         </p:txBody>
@@ -3633,7 +3561,7 @@
           </a:ln>
           <a:extLst>
             <a:ext uri="{C572A759-6A51-4108-AA02-DFA0A04FC94B}">
-              <ma14:wrappingTextBoxFlag xmlns:ma14="http://schemas.microsoft.com/office/mac/drawingml/2011/main" xmlns:a14="http://schemas.microsoft.com/office/drawing/2010/main" xmlns:m="http://schemas.openxmlformats.org/officeDocument/2006/math" xmlns="" val="1"/>
+              <ma14:wrappingTextBoxFlag xmlns="" xmlns:m="http://schemas.openxmlformats.org/officeDocument/2006/math" xmlns:a14="http://schemas.microsoft.com/office/drawing/2010/main" xmlns:ma14="http://schemas.microsoft.com/office/mac/drawingml/2011/main" val="1"/>
             </a:ext>
           </a:extLst>
         </p:spPr>
@@ -3667,7 +3595,7 @@
         </p:nvSpPr>
         <p:spPr>
           <a:xfrm>
-            <a:off x="6014301" y="1357762"/>
+            <a:off x="6160810" y="2340631"/>
             <a:ext cx="5716092" cy="387049"/>
           </a:xfrm>
           <a:prstGeom prst="rect">
@@ -3678,7 +3606,7 @@
           </a:ln>
           <a:extLst>
             <a:ext uri="{C572A759-6A51-4108-AA02-DFA0A04FC94B}">
-              <ma14:wrappingTextBoxFlag xmlns:ma14="http://schemas.microsoft.com/office/mac/drawingml/2011/main" xmlns:a14="http://schemas.microsoft.com/office/drawing/2010/main" xmlns:m="http://schemas.openxmlformats.org/officeDocument/2006/math" xmlns="" val="1"/>
+              <ma14:wrappingTextBoxFlag xmlns="" xmlns:m="http://schemas.openxmlformats.org/officeDocument/2006/math" xmlns:a14="http://schemas.microsoft.com/office/drawing/2010/main" xmlns:ma14="http://schemas.microsoft.com/office/mac/drawingml/2011/main" val="1"/>
             </a:ext>
           </a:extLst>
         </p:spPr>
@@ -3735,7 +3663,7 @@
         </p:nvSpPr>
         <p:spPr>
           <a:xfrm>
-            <a:off x="6014301" y="5164773"/>
+            <a:off x="6160810" y="6346476"/>
             <a:ext cx="7254761" cy="387049"/>
           </a:xfrm>
           <a:prstGeom prst="rect">
@@ -3746,7 +3674,7 @@
           </a:ln>
           <a:extLst>
             <a:ext uri="{C572A759-6A51-4108-AA02-DFA0A04FC94B}">
-              <ma14:wrappingTextBoxFlag xmlns:ma14="http://schemas.microsoft.com/office/mac/drawingml/2011/main" xmlns:a14="http://schemas.microsoft.com/office/drawing/2010/main" xmlns:m="http://schemas.openxmlformats.org/officeDocument/2006/math" xmlns="" val="1"/>
+              <ma14:wrappingTextBoxFlag xmlns="" xmlns:m="http://schemas.openxmlformats.org/officeDocument/2006/math" xmlns:a14="http://schemas.microsoft.com/office/drawing/2010/main" xmlns:ma14="http://schemas.microsoft.com/office/mac/drawingml/2011/main" val="1"/>
             </a:ext>
           </a:extLst>
         </p:spPr>
@@ -3779,7 +3707,7 @@
                   <a:srgbClr val="628DB5"/>
                 </a:solidFill>
               </a:rPr>
-              <a:t>Specify multiple results and an exception with </a:t>
+              <a:t>Specify multiple results with </a:t>
             </a:r>
             <a:r>
               <a:rPr lang="en-US" sz="2000" b="0" dirty="0" err="1">
@@ -3811,8 +3739,8 @@
         </p:nvSpPr>
         <p:spPr>
           <a:xfrm>
-            <a:off x="6014301" y="8185920"/>
-            <a:ext cx="5716092" cy="387049"/>
+            <a:off x="688847" y="7220213"/>
+            <a:ext cx="4782879" cy="327456"/>
           </a:xfrm>
           <a:prstGeom prst="rect">
             <a:avLst/>
@@ -3822,13 +3750,13 @@
           </a:ln>
           <a:extLst>
             <a:ext uri="{C572A759-6A51-4108-AA02-DFA0A04FC94B}">
-              <ma14:wrappingTextBoxFlag xmlns:ma14="http://schemas.microsoft.com/office/mac/drawingml/2011/main" xmlns:a14="http://schemas.microsoft.com/office/drawing/2010/main" xmlns:m="http://schemas.openxmlformats.org/officeDocument/2006/math" xmlns="" val="1"/>
+              <ma14:wrappingTextBoxFlag xmlns="" xmlns:m="http://schemas.openxmlformats.org/officeDocument/2006/math" xmlns:a14="http://schemas.microsoft.com/office/drawing/2010/main" xmlns:ma14="http://schemas.microsoft.com/office/mac/drawingml/2011/main" val="1"/>
             </a:ext>
           </a:extLst>
         </p:spPr>
         <p:txBody>
           <a:bodyPr lIns="0" tIns="0" rIns="0" bIns="0">
-            <a:normAutofit fontScale="92500"/>
+            <a:normAutofit/>
           </a:bodyPr>
           <a:lstStyle/>
           <a:p>
@@ -3855,7 +3783,7 @@
                   <a:srgbClr val="628DB5"/>
                 </a:solidFill>
               </a:rPr>
-              <a:t>Specify asynchronous delegate for injection notification </a:t>
+              <a:t>Specify a delegate for injection notification </a:t>
             </a:r>
           </a:p>
           <a:p>
@@ -3934,8 +3862,8 @@
         </p:nvSpPr>
         <p:spPr>
           <a:xfrm>
-            <a:off x="606752" y="6147979"/>
-            <a:ext cx="4973917" cy="959831"/>
+            <a:off x="631033" y="6147979"/>
+            <a:ext cx="5119317" cy="959831"/>
           </a:xfrm>
           <a:prstGeom prst="rect">
             <a:avLst/>
@@ -4171,10 +4099,10 @@
       </p:sp>
       <p:sp>
         <p:nvSpPr>
-          <p:cNvPr id="35" name="Group">
+          <p:cNvPr id="36" name="Group">
             <a:extLst>
               <a:ext uri="{FF2B5EF4-FFF2-40B4-BE49-F238E27FC236}">
-                <a16:creationId xmlns:a16="http://schemas.microsoft.com/office/drawing/2014/main" id="{51D3AC3F-74B2-C4CE-2202-2B392127A261}"/>
+                <a16:creationId xmlns:a16="http://schemas.microsoft.com/office/drawing/2014/main" id="{4AF349EC-D5D4-6C6A-ED17-D435B23C2FBA}"/>
               </a:ext>
             </a:extLst>
           </p:cNvPr>
@@ -4183,8 +4111,8 @@
         </p:nvSpPr>
         <p:spPr>
           <a:xfrm>
-            <a:off x="606751" y="7648208"/>
-            <a:ext cx="4973917" cy="2219389"/>
+            <a:off x="6160811" y="2821569"/>
+            <a:ext cx="6983415" cy="3253910"/>
           </a:xfrm>
           <a:prstGeom prst="rect">
             <a:avLst/>
@@ -4312,19 +4240,198 @@
                 <a:effectLst/>
                 <a:latin typeface="Menlo" panose="020B0609030804020204" pitchFamily="49" charset="0"/>
               </a:rPr>
+              <a:t> </a:t>
+            </a:r>
+            <a:r>
+              <a:rPr lang="en-GB" b="0" dirty="0" err="1">
+                <a:solidFill>
+                  <a:srgbClr val="000000"/>
+                </a:solidFill>
+                <a:effectLst/>
+                <a:latin typeface="Menlo" panose="020B0609030804020204" pitchFamily="49" charset="0"/>
+              </a:rPr>
+              <a:t>ChaosOutcomeStrategyOptions</a:t>
+            </a:r>
+            <a:r>
+              <a:rPr lang="en-GB" b="0" dirty="0">
+                <a:solidFill>
+                  <a:srgbClr val="000000"/>
+                </a:solidFill>
+                <a:effectLst/>
+                <a:latin typeface="Menlo" panose="020B0609030804020204" pitchFamily="49" charset="0"/>
+              </a:rPr>
+              <a:t>&lt;</a:t>
+            </a:r>
+            <a:r>
+              <a:rPr lang="en-GB" b="0" dirty="0" err="1">
+                <a:solidFill>
+                  <a:srgbClr val="000000"/>
+                </a:solidFill>
+                <a:effectLst/>
+                <a:latin typeface="Menlo" panose="020B0609030804020204" pitchFamily="49" charset="0"/>
+              </a:rPr>
+              <a:t>HttpResponseMessage</a:t>
+            </a:r>
+            <a:r>
+              <a:rPr lang="en-GB" b="0" dirty="0">
+                <a:solidFill>
+                  <a:srgbClr val="000000"/>
+                </a:solidFill>
+                <a:effectLst/>
+                <a:latin typeface="Menlo" panose="020B0609030804020204" pitchFamily="49" charset="0"/>
+              </a:rPr>
+              <a:t>&gt;</a:t>
+            </a:r>
+          </a:p>
+          <a:p>
+            <a:r>
+              <a:rPr lang="en-GB" b="0" dirty="0">
+                <a:solidFill>
+                  <a:srgbClr val="000000"/>
+                </a:solidFill>
+                <a:effectLst/>
+                <a:latin typeface="Menlo" panose="020B0609030804020204" pitchFamily="49" charset="0"/>
+              </a:rPr>
+              <a:t>  {</a:t>
+            </a:r>
+          </a:p>
+          <a:p>
+            <a:r>
+              <a:rPr lang="en-GB" b="0" dirty="0">
+                <a:solidFill>
+                  <a:srgbClr val="000000"/>
+                </a:solidFill>
+                <a:effectLst/>
+                <a:latin typeface="Menlo" panose="020B0609030804020204" pitchFamily="49" charset="0"/>
+              </a:rPr>
+              <a:t>    </a:t>
+            </a:r>
+            <a:r>
+              <a:rPr lang="en-GB" b="0" dirty="0" err="1">
+                <a:solidFill>
+                  <a:srgbClr val="000000"/>
+                </a:solidFill>
+                <a:effectLst/>
+                <a:latin typeface="Menlo" panose="020B0609030804020204" pitchFamily="49" charset="0"/>
+              </a:rPr>
+              <a:t>OutcomeGenerator</a:t>
+            </a:r>
+            <a:r>
+              <a:rPr lang="en-GB" b="0" dirty="0">
+                <a:solidFill>
+                  <a:srgbClr val="000000"/>
+                </a:solidFill>
+                <a:effectLst/>
+                <a:latin typeface="Menlo" panose="020B0609030804020204" pitchFamily="49" charset="0"/>
+              </a:rPr>
+              <a:t> = </a:t>
+            </a:r>
+            <a:r>
+              <a:rPr lang="en-GB" b="0" dirty="0">
+                <a:solidFill>
+                  <a:srgbClr val="0000FF"/>
+                </a:solidFill>
+                <a:effectLst/>
+                <a:latin typeface="Menlo" panose="020B0609030804020204" pitchFamily="49" charset="0"/>
+              </a:rPr>
+              <a:t>static</a:t>
+            </a:r>
+            <a:r>
+              <a:rPr lang="en-GB" b="0" dirty="0">
+                <a:solidFill>
+                  <a:srgbClr val="000000"/>
+                </a:solidFill>
+                <a:effectLst/>
+                <a:latin typeface="Menlo" panose="020B0609030804020204" pitchFamily="49" charset="0"/>
+              </a:rPr>
+              <a:t> _ =&gt; </a:t>
+            </a:r>
+          </a:p>
+          <a:p>
+            <a:r>
+              <a:rPr lang="en-GB" b="0" dirty="0">
+                <a:solidFill>
+                  <a:srgbClr val="000000"/>
+                </a:solidFill>
+                <a:effectLst/>
+                <a:latin typeface="Menlo" panose="020B0609030804020204" pitchFamily="49" charset="0"/>
+              </a:rPr>
+              <a:t>    {</a:t>
+            </a:r>
+          </a:p>
+          <a:p>
+            <a:r>
+              <a:rPr lang="en-GB" b="0" dirty="0">
+                <a:solidFill>
+                  <a:srgbClr val="0000FF"/>
+                </a:solidFill>
+                <a:effectLst/>
+                <a:latin typeface="Menlo" panose="020B0609030804020204" pitchFamily="49" charset="0"/>
+              </a:rPr>
+              <a:t>      var</a:t>
+            </a:r>
+            <a:r>
+              <a:rPr lang="en-GB" b="0" dirty="0">
+                <a:solidFill>
+                  <a:srgbClr val="000000"/>
+                </a:solidFill>
+                <a:effectLst/>
+                <a:latin typeface="Menlo" panose="020B0609030804020204" pitchFamily="49" charset="0"/>
+              </a:rPr>
+              <a:t> </a:t>
+            </a:r>
+            <a:r>
+              <a:rPr lang="en-GB" b="0" dirty="0" err="1">
+                <a:solidFill>
+                  <a:srgbClr val="000000"/>
+                </a:solidFill>
+                <a:effectLst/>
+                <a:latin typeface="Menlo" panose="020B0609030804020204" pitchFamily="49" charset="0"/>
+              </a:rPr>
+              <a:t>rnd</a:t>
+            </a:r>
+            <a:r>
+              <a:rPr lang="en-GB" b="0" dirty="0">
+                <a:solidFill>
+                  <a:srgbClr val="000000"/>
+                </a:solidFill>
+                <a:effectLst/>
+                <a:latin typeface="Menlo" panose="020B0609030804020204" pitchFamily="49" charset="0"/>
+              </a:rPr>
+              <a:t> = </a:t>
+            </a:r>
+            <a:r>
+              <a:rPr lang="en-GB" b="0" dirty="0" err="1">
+                <a:solidFill>
+                  <a:srgbClr val="000000"/>
+                </a:solidFill>
+                <a:effectLst/>
+                <a:latin typeface="Menlo" panose="020B0609030804020204" pitchFamily="49" charset="0"/>
+              </a:rPr>
+              <a:t>Random.Shared.NextDouble</a:t>
+            </a:r>
+            <a:r>
+              <a:rPr lang="en-GB" b="0" dirty="0">
+                <a:solidFill>
+                  <a:srgbClr val="000000"/>
+                </a:solidFill>
+                <a:effectLst/>
+                <a:latin typeface="Menlo" panose="020B0609030804020204" pitchFamily="49" charset="0"/>
+              </a:rPr>
+              <a:t>();</a:t>
+            </a:r>
+          </a:p>
+          <a:p>
+            <a:r>
+              <a:rPr lang="en-GB" b="0" dirty="0">
+                <a:solidFill>
+                  <a:srgbClr val="0000FF"/>
+                </a:solidFill>
+                <a:effectLst/>
+                <a:latin typeface="Menlo" panose="020B0609030804020204" pitchFamily="49" charset="0"/>
+              </a:rPr>
               <a:t>      </a:t>
             </a:r>
-          </a:p>
-          <a:p>
-            <a:r>
-              <a:rPr lang="en-GB" b="0" dirty="0">
-                <a:solidFill>
-                  <a:srgbClr val="000000"/>
-                </a:solidFill>
-                <a:latin typeface="Menlo" panose="020B0609030804020204" pitchFamily="49" charset="0"/>
-              </a:rPr>
-              <a:t>    </a:t>
-            </a:r>
             <a:r>
               <a:rPr lang="en-GB" b="0" dirty="0" err="1">
                 <a:solidFill>
@@ -4333,17 +4440,17 @@
                 <a:effectLst/>
                 <a:latin typeface="Menlo" panose="020B0609030804020204" pitchFamily="49" charset="0"/>
               </a:rPr>
-              <a:t>ChaosOutcomeStrategyOptions</a:t>
-            </a:r>
-            <a:r>
-              <a:rPr lang="en-GB" b="0" dirty="0">
-                <a:solidFill>
-                  <a:srgbClr val="000000"/>
-                </a:solidFill>
-                <a:effectLst/>
-                <a:latin typeface="Menlo" panose="020B0609030804020204" pitchFamily="49" charset="0"/>
-              </a:rPr>
-              <a:t>&lt;</a:t>
+              <a:t>HttpStatusCode</a:t>
+            </a:r>
+            <a:r>
+              <a:rPr lang="en-GB" b="0" dirty="0">
+                <a:solidFill>
+                  <a:srgbClr val="000000"/>
+                </a:solidFill>
+                <a:effectLst/>
+                <a:latin typeface="Menlo" panose="020B0609030804020204" pitchFamily="49" charset="0"/>
+              </a:rPr>
+              <a:t> </a:t>
             </a:r>
             <a:r>
               <a:rPr lang="en-GB" b="0" dirty="0" err="1">
@@ -4353,6 +4460,259 @@
                 <a:effectLst/>
                 <a:latin typeface="Menlo" panose="020B0609030804020204" pitchFamily="49" charset="0"/>
               </a:rPr>
+              <a:t>statusCode</a:t>
+            </a:r>
+            <a:r>
+              <a:rPr lang="en-GB" b="0" dirty="0">
+                <a:solidFill>
+                  <a:srgbClr val="000000"/>
+                </a:solidFill>
+                <a:effectLst/>
+                <a:latin typeface="Menlo" panose="020B0609030804020204" pitchFamily="49" charset="0"/>
+              </a:rPr>
+              <a:t> = </a:t>
+            </a:r>
+            <a:r>
+              <a:rPr lang="en-GB" b="0" dirty="0" err="1">
+                <a:solidFill>
+                  <a:srgbClr val="000000"/>
+                </a:solidFill>
+                <a:effectLst/>
+                <a:latin typeface="Menlo" panose="020B0609030804020204" pitchFamily="49" charset="0"/>
+              </a:rPr>
+              <a:t>rnd</a:t>
+            </a:r>
+            <a:r>
+              <a:rPr lang="en-GB" b="0" dirty="0">
+                <a:solidFill>
+                  <a:srgbClr val="000000"/>
+                </a:solidFill>
+                <a:effectLst/>
+                <a:latin typeface="Menlo" panose="020B0609030804020204" pitchFamily="49" charset="0"/>
+              </a:rPr>
+              <a:t> </a:t>
+            </a:r>
+            <a:r>
+              <a:rPr lang="en-GB" b="0" dirty="0">
+                <a:solidFill>
+                  <a:srgbClr val="0000FF"/>
+                </a:solidFill>
+                <a:effectLst/>
+                <a:latin typeface="Menlo" panose="020B0609030804020204" pitchFamily="49" charset="0"/>
+              </a:rPr>
+              <a:t>switch</a:t>
+            </a:r>
+            <a:endParaRPr lang="en-GB" b="0" dirty="0">
+              <a:solidFill>
+                <a:srgbClr val="000000"/>
+              </a:solidFill>
+              <a:effectLst/>
+              <a:latin typeface="Menlo" panose="020B0609030804020204" pitchFamily="49" charset="0"/>
+            </a:endParaRPr>
+          </a:p>
+          <a:p>
+            <a:r>
+              <a:rPr lang="en-GB" b="0" dirty="0">
+                <a:solidFill>
+                  <a:srgbClr val="000000"/>
+                </a:solidFill>
+                <a:effectLst/>
+                <a:latin typeface="Menlo" panose="020B0609030804020204" pitchFamily="49" charset="0"/>
+              </a:rPr>
+              <a:t>      {</a:t>
+            </a:r>
+          </a:p>
+          <a:p>
+            <a:r>
+              <a:rPr lang="en-GB" b="0" dirty="0">
+                <a:solidFill>
+                  <a:srgbClr val="000000"/>
+                </a:solidFill>
+                <a:effectLst/>
+                <a:latin typeface="Menlo" panose="020B0609030804020204" pitchFamily="49" charset="0"/>
+              </a:rPr>
+              <a:t>        &lt; </a:t>
+            </a:r>
+            <a:r>
+              <a:rPr lang="en-GB" b="0" dirty="0">
+                <a:solidFill>
+                  <a:srgbClr val="098658"/>
+                </a:solidFill>
+                <a:effectLst/>
+                <a:latin typeface="Menlo" panose="020B0609030804020204" pitchFamily="49" charset="0"/>
+              </a:rPr>
+              <a:t>0.4</a:t>
+            </a:r>
+            <a:r>
+              <a:rPr lang="en-GB" b="0" dirty="0">
+                <a:solidFill>
+                  <a:srgbClr val="000000"/>
+                </a:solidFill>
+                <a:effectLst/>
+                <a:latin typeface="Menlo" panose="020B0609030804020204" pitchFamily="49" charset="0"/>
+              </a:rPr>
+              <a:t> =&gt; </a:t>
+            </a:r>
+            <a:r>
+              <a:rPr lang="en-GB" b="0" dirty="0" err="1">
+                <a:solidFill>
+                  <a:srgbClr val="000000"/>
+                </a:solidFill>
+                <a:effectLst/>
+                <a:latin typeface="Menlo" panose="020B0609030804020204" pitchFamily="49" charset="0"/>
+              </a:rPr>
+              <a:t>HttpStatusCode.InternalServerError</a:t>
+            </a:r>
+            <a:r>
+              <a:rPr lang="en-GB" b="0" dirty="0">
+                <a:solidFill>
+                  <a:srgbClr val="000000"/>
+                </a:solidFill>
+                <a:effectLst/>
+                <a:latin typeface="Menlo" panose="020B0609030804020204" pitchFamily="49" charset="0"/>
+              </a:rPr>
+              <a:t>,</a:t>
+            </a:r>
+          </a:p>
+          <a:p>
+            <a:r>
+              <a:rPr lang="en-GB" b="0" dirty="0">
+                <a:solidFill>
+                  <a:srgbClr val="0000FF"/>
+                </a:solidFill>
+                <a:effectLst/>
+                <a:latin typeface="Menlo" panose="020B0609030804020204" pitchFamily="49" charset="0"/>
+              </a:rPr>
+              <a:t>	  _</a:t>
+            </a:r>
+            <a:r>
+              <a:rPr lang="en-GB" b="0" dirty="0">
+                <a:solidFill>
+                  <a:srgbClr val="000000"/>
+                </a:solidFill>
+                <a:effectLst/>
+                <a:latin typeface="Menlo" panose="020B0609030804020204" pitchFamily="49" charset="0"/>
+              </a:rPr>
+              <a:t> =&gt; </a:t>
+            </a:r>
+            <a:r>
+              <a:rPr lang="en-GB" b="0" dirty="0" err="1">
+                <a:solidFill>
+                  <a:srgbClr val="000000"/>
+                </a:solidFill>
+                <a:effectLst/>
+                <a:latin typeface="Menlo" panose="020B0609030804020204" pitchFamily="49" charset="0"/>
+              </a:rPr>
+              <a:t>HttpStatusCode</a:t>
+            </a:r>
+            <a:r>
+              <a:rPr lang="en-GB" b="0" dirty="0" err="1">
+                <a:solidFill>
+                  <a:srgbClr val="000000"/>
+                </a:solidFill>
+                <a:latin typeface="Menlo" panose="020B0609030804020204" pitchFamily="49" charset="0"/>
+              </a:rPr>
+              <a:t>.</a:t>
+            </a:r>
+            <a:r>
+              <a:rPr lang="en-GB" b="0" dirty="0" err="1">
+                <a:solidFill>
+                  <a:srgbClr val="000000"/>
+                </a:solidFill>
+                <a:effectLst/>
+                <a:latin typeface="Menlo" panose="020B0609030804020204" pitchFamily="49" charset="0"/>
+              </a:rPr>
+              <a:t>RequestTimeout</a:t>
+            </a:r>
+            <a:endParaRPr lang="en-GB" b="0" dirty="0">
+              <a:solidFill>
+                <a:srgbClr val="000000"/>
+              </a:solidFill>
+              <a:effectLst/>
+              <a:latin typeface="Menlo" panose="020B0609030804020204" pitchFamily="49" charset="0"/>
+            </a:endParaRPr>
+          </a:p>
+          <a:p>
+            <a:r>
+              <a:rPr lang="en-GB" b="0" dirty="0">
+                <a:solidFill>
+                  <a:srgbClr val="000000"/>
+                </a:solidFill>
+                <a:effectLst/>
+                <a:latin typeface="Menlo" panose="020B0609030804020204" pitchFamily="49" charset="0"/>
+              </a:rPr>
+              <a:t>      };</a:t>
+            </a:r>
+          </a:p>
+          <a:p>
+            <a:r>
+              <a:rPr lang="en-GB" b="0" dirty="0">
+                <a:solidFill>
+                  <a:srgbClr val="0000FF"/>
+                </a:solidFill>
+                <a:effectLst/>
+                <a:latin typeface="Menlo" panose="020B0609030804020204" pitchFamily="49" charset="0"/>
+              </a:rPr>
+              <a:t>      var</a:t>
+            </a:r>
+            <a:r>
+              <a:rPr lang="en-GB" b="0" dirty="0">
+                <a:solidFill>
+                  <a:srgbClr val="000000"/>
+                </a:solidFill>
+                <a:effectLst/>
+                <a:latin typeface="Menlo" panose="020B0609030804020204" pitchFamily="49" charset="0"/>
+              </a:rPr>
+              <a:t> outcome = </a:t>
+            </a:r>
+            <a:r>
+              <a:rPr lang="en-GB" b="0" dirty="0" err="1">
+                <a:solidFill>
+                  <a:srgbClr val="000000"/>
+                </a:solidFill>
+                <a:effectLst/>
+                <a:latin typeface="Menlo" panose="020B0609030804020204" pitchFamily="49" charset="0"/>
+              </a:rPr>
+              <a:t>Outcome.FromResult</a:t>
+            </a:r>
+            <a:r>
+              <a:rPr lang="en-GB" b="0" dirty="0">
+                <a:solidFill>
+                  <a:srgbClr val="000000"/>
+                </a:solidFill>
+                <a:effectLst/>
+                <a:latin typeface="Menlo" panose="020B0609030804020204" pitchFamily="49" charset="0"/>
+              </a:rPr>
+              <a:t>(</a:t>
+            </a:r>
+            <a:r>
+              <a:rPr lang="en-GB" b="0" dirty="0">
+                <a:solidFill>
+                  <a:srgbClr val="0000FF"/>
+                </a:solidFill>
+                <a:effectLst/>
+                <a:latin typeface="Menlo" panose="020B0609030804020204" pitchFamily="49" charset="0"/>
+              </a:rPr>
+              <a:t>new</a:t>
+            </a:r>
+            <a:r>
+              <a:rPr lang="en-GB" b="0" dirty="0">
+                <a:solidFill>
+                  <a:srgbClr val="000000"/>
+                </a:solidFill>
+                <a:effectLst/>
+                <a:latin typeface="Menlo" panose="020B0609030804020204" pitchFamily="49" charset="0"/>
+              </a:rPr>
+              <a:t> </a:t>
+            </a:r>
+            <a:r>
+              <a:rPr lang="en-GB" b="0" dirty="0" err="1">
+                <a:solidFill>
+                  <a:srgbClr val="000000"/>
+                </a:solidFill>
+                <a:effectLst/>
+                <a:latin typeface="Menlo" panose="020B0609030804020204" pitchFamily="49" charset="0"/>
+              </a:rPr>
               <a:t>HttpResponseMessage</a:t>
             </a:r>
             <a:r>
@@ -4363,31 +4723,29 @@
                 <a:effectLst/>
                 <a:latin typeface="Menlo" panose="020B0609030804020204" pitchFamily="49" charset="0"/>
               </a:rPr>
-              <a:t>&gt;</a:t>
-            </a:r>
-          </a:p>
-          <a:p>
-            <a:r>
-              <a:rPr lang="en-GB" b="0" dirty="0">
-                <a:solidFill>
-                  <a:srgbClr val="000000"/>
-                </a:solidFill>
-                <a:effectLst/>
-                <a:latin typeface="Menlo" panose="020B0609030804020204" pitchFamily="49" charset="0"/>
-              </a:rPr>
-              <a:t>    {</a:t>
-            </a:r>
-          </a:p>
-          <a:p>
-            <a:r>
-              <a:rPr lang="en-GB" b="0" dirty="0">
-                <a:solidFill>
-                  <a:srgbClr val="000000"/>
-                </a:solidFill>
-                <a:effectLst/>
-                <a:latin typeface="Menlo" panose="020B0609030804020204" pitchFamily="49" charset="0"/>
-              </a:rPr>
-              <a:t>      </a:t>
+              <a:t>(status));</a:t>
+            </a:r>
+          </a:p>
+          <a:p>
+            <a:r>
+              <a:rPr lang="en-GB" b="0" dirty="0">
+                <a:solidFill>
+                  <a:srgbClr val="0000FF"/>
+                </a:solidFill>
+                <a:effectLst/>
+                <a:latin typeface="Menlo" panose="020B0609030804020204" pitchFamily="49" charset="0"/>
+              </a:rPr>
+              <a:t>      return</a:t>
+            </a:r>
+            <a:r>
+              <a:rPr lang="en-GB" b="0" dirty="0">
+                <a:solidFill>
+                  <a:srgbClr val="000000"/>
+                </a:solidFill>
+                <a:effectLst/>
+                <a:latin typeface="Menlo" panose="020B0609030804020204" pitchFamily="49" charset="0"/>
+              </a:rPr>
+              <a:t> </a:t>
             </a:r>
             <a:r>
               <a:rPr lang="en-GB" b="0" dirty="0" err="1">
@@ -4397,49 +4755,17 @@
                 <a:effectLst/>
                 <a:latin typeface="Menlo" panose="020B0609030804020204" pitchFamily="49" charset="0"/>
               </a:rPr>
-              <a:t>InjectionRate</a:t>
-            </a:r>
-            <a:r>
-              <a:rPr lang="en-GB" b="0" dirty="0">
-                <a:solidFill>
-                  <a:srgbClr val="000000"/>
-                </a:solidFill>
-                <a:effectLst/>
-                <a:latin typeface="Menlo" panose="020B0609030804020204" pitchFamily="49" charset="0"/>
-              </a:rPr>
-              <a:t> = </a:t>
-            </a:r>
-            <a:r>
-              <a:rPr lang="en-GB" b="0" dirty="0">
-                <a:solidFill>
-                  <a:srgbClr val="098658"/>
-                </a:solidFill>
-                <a:effectLst/>
-                <a:latin typeface="Menlo" panose="020B0609030804020204" pitchFamily="49" charset="0"/>
-              </a:rPr>
-              <a:t>0.1</a:t>
-            </a:r>
-            <a:r>
-              <a:rPr lang="en-GB" b="0" dirty="0">
-                <a:solidFill>
-                  <a:srgbClr val="000000"/>
-                </a:solidFill>
-                <a:effectLst/>
-                <a:latin typeface="Menlo" panose="020B0609030804020204" pitchFamily="49" charset="0"/>
-              </a:rPr>
-              <a:t>,</a:t>
-            </a:r>
-          </a:p>
-          <a:p>
-            <a:r>
-              <a:rPr lang="en-GB" b="0" dirty="0">
-                <a:solidFill>
-                  <a:srgbClr val="000000"/>
-                </a:solidFill>
-                <a:effectLst/>
-                <a:latin typeface="Menlo" panose="020B0609030804020204" pitchFamily="49" charset="0"/>
-              </a:rPr>
-              <a:t>      </a:t>
+              <a:t>ValueTask.FromResult</a:t>
+            </a:r>
+            <a:r>
+              <a:rPr lang="en-GB" b="0" dirty="0">
+                <a:solidFill>
+                  <a:srgbClr val="000000"/>
+                </a:solidFill>
+                <a:effectLst/>
+                <a:latin typeface="Menlo" panose="020B0609030804020204" pitchFamily="49" charset="0"/>
+              </a:rPr>
+              <a:t>&lt;Outcome&lt;</a:t>
             </a:r>
             <a:r>
               <a:rPr lang="en-GB" b="0" dirty="0" err="1">
@@ -4449,99 +4775,6 @@
                 <a:effectLst/>
                 <a:latin typeface="Menlo" panose="020B0609030804020204" pitchFamily="49" charset="0"/>
               </a:rPr>
-              <a:t>OutcomeGenerator</a:t>
-            </a:r>
-            <a:r>
-              <a:rPr lang="en-GB" b="0" dirty="0">
-                <a:solidFill>
-                  <a:srgbClr val="000000"/>
-                </a:solidFill>
-                <a:effectLst/>
-                <a:latin typeface="Menlo" panose="020B0609030804020204" pitchFamily="49" charset="0"/>
-              </a:rPr>
-              <a:t> = </a:t>
-            </a:r>
-            <a:r>
-              <a:rPr lang="en-GB" b="0" dirty="0">
-                <a:solidFill>
-                  <a:srgbClr val="0000FF"/>
-                </a:solidFill>
-                <a:effectLst/>
-                <a:latin typeface="Menlo" panose="020B0609030804020204" pitchFamily="49" charset="0"/>
-              </a:rPr>
-              <a:t>static </a:t>
-            </a:r>
-            <a:r>
-              <a:rPr lang="en-GB" b="0" dirty="0">
-                <a:solidFill>
-                  <a:srgbClr val="000000"/>
-                </a:solidFill>
-                <a:effectLst/>
-                <a:latin typeface="Menlo" panose="020B0609030804020204" pitchFamily="49" charset="0"/>
-              </a:rPr>
-              <a:t>_ =&gt;    </a:t>
-            </a:r>
-          </a:p>
-          <a:p>
-            <a:r>
-              <a:rPr lang="en-GB" b="0" dirty="0">
-                <a:solidFill>
-                  <a:srgbClr val="000000"/>
-                </a:solidFill>
-                <a:latin typeface="Menlo" panose="020B0609030804020204" pitchFamily="49" charset="0"/>
-              </a:rPr>
-              <a:t>        </a:t>
-            </a:r>
-            <a:r>
-              <a:rPr lang="en-GB" b="0" dirty="0" err="1">
-                <a:solidFill>
-                  <a:srgbClr val="000000"/>
-                </a:solidFill>
-                <a:effectLst/>
-                <a:latin typeface="Menlo" panose="020B0609030804020204" pitchFamily="49" charset="0"/>
-              </a:rPr>
-              <a:t>Outcome.FromResultAsValueTask</a:t>
-            </a:r>
-            <a:r>
-              <a:rPr lang="en-GB" b="0" dirty="0">
-                <a:solidFill>
-                  <a:srgbClr val="000000"/>
-                </a:solidFill>
-                <a:effectLst/>
-                <a:latin typeface="Menlo" panose="020B0609030804020204" pitchFamily="49" charset="0"/>
-              </a:rPr>
-              <a:t>(</a:t>
-            </a:r>
-          </a:p>
-          <a:p>
-            <a:r>
-              <a:rPr lang="en-GB" b="0" dirty="0">
-                <a:solidFill>
-                  <a:srgbClr val="0000FF"/>
-                </a:solidFill>
-                <a:effectLst/>
-                <a:latin typeface="Menlo" panose="020B0609030804020204" pitchFamily="49" charset="0"/>
-              </a:rPr>
-              <a:t>          new</a:t>
-            </a:r>
-            <a:r>
-              <a:rPr lang="en-GB" b="0" dirty="0">
-                <a:solidFill>
-                  <a:srgbClr val="000000"/>
-                </a:solidFill>
-                <a:effectLst/>
-                <a:latin typeface="Menlo" panose="020B0609030804020204" pitchFamily="49" charset="0"/>
-              </a:rPr>
-              <a:t> </a:t>
-            </a:r>
-            <a:r>
-              <a:rPr lang="en-GB" b="0" dirty="0" err="1">
-                <a:solidFill>
-                  <a:srgbClr val="000000"/>
-                </a:solidFill>
-                <a:effectLst/>
-                <a:latin typeface="Menlo" panose="020B0609030804020204" pitchFamily="49" charset="0"/>
-              </a:rPr>
               <a:t>HttpResponseMessage</a:t>
             </a:r>
             <a:r>
@@ -4552,61 +4785,41 @@
                 <a:effectLst/>
                 <a:latin typeface="Menlo" panose="020B0609030804020204" pitchFamily="49" charset="0"/>
               </a:rPr>
-              <a:t>(</a:t>
-            </a:r>
-          </a:p>
-          <a:p>
-            <a:r>
-              <a:rPr lang="en-GB" b="0" dirty="0">
-                <a:solidFill>
-                  <a:srgbClr val="000000"/>
-                </a:solidFill>
-                <a:effectLst/>
-                <a:latin typeface="Menlo" panose="020B0609030804020204" pitchFamily="49" charset="0"/>
-              </a:rPr>
-              <a:t>            </a:t>
-            </a:r>
-            <a:r>
-              <a:rPr lang="en-GB" b="0" dirty="0" err="1">
-                <a:solidFill>
-                  <a:srgbClr val="000000"/>
-                </a:solidFill>
-                <a:effectLst/>
-                <a:latin typeface="Menlo" panose="020B0609030804020204" pitchFamily="49" charset="0"/>
-              </a:rPr>
-              <a:t>HttpStatusCode.InternalServerError</a:t>
-            </a:r>
-            <a:r>
-              <a:rPr lang="en-GB" b="0" dirty="0">
-                <a:solidFill>
-                  <a:srgbClr val="000000"/>
-                </a:solidFill>
-                <a:effectLst/>
-                <a:latin typeface="Menlo" panose="020B0609030804020204" pitchFamily="49" charset="0"/>
-              </a:rPr>
-              <a:t>))</a:t>
-            </a:r>
-          </a:p>
-          <a:p>
-            <a:r>
-              <a:rPr lang="en-GB" b="0" dirty="0">
-                <a:solidFill>
-                  <a:srgbClr val="000000"/>
-                </a:solidFill>
-                <a:effectLst/>
-                <a:latin typeface="Menlo" panose="020B0609030804020204" pitchFamily="49" charset="0"/>
-              </a:rPr>
-              <a:t>})</a:t>
+              <a:t>&gt;?&gt;(outcome);</a:t>
+            </a:r>
+          </a:p>
+          <a:p>
+            <a:r>
+              <a:rPr lang="en-GB" b="0" dirty="0">
+                <a:solidFill>
+                  <a:srgbClr val="000000"/>
+                </a:solidFill>
+                <a:effectLst/>
+                <a:latin typeface="Menlo" panose="020B0609030804020204" pitchFamily="49" charset="0"/>
+              </a:rPr>
+              <a:t>    }</a:t>
+            </a:r>
+          </a:p>
+          <a:p>
+            <a:r>
+              <a:rPr lang="en-GB" b="0" dirty="0">
+                <a:solidFill>
+                  <a:srgbClr val="000000"/>
+                </a:solidFill>
+                <a:effectLst/>
+                <a:latin typeface="Menlo" panose="020B0609030804020204" pitchFamily="49" charset="0"/>
+              </a:rPr>
+              <a:t>  })</a:t>
             </a:r>
           </a:p>
         </p:txBody>
       </p:sp>
       <p:sp>
         <p:nvSpPr>
-          <p:cNvPr id="36" name="Group">
+          <p:cNvPr id="37" name="Group">
             <a:extLst>
               <a:ext uri="{FF2B5EF4-FFF2-40B4-BE49-F238E27FC236}">
-                <a16:creationId xmlns:a16="http://schemas.microsoft.com/office/drawing/2014/main" id="{4AF349EC-D5D4-6C6A-ED17-D435B23C2FBA}"/>
+                <a16:creationId xmlns:a16="http://schemas.microsoft.com/office/drawing/2014/main" id="{BAE908F7-9761-68A6-BAAF-F4F6DB2B7D5D}"/>
               </a:ext>
             </a:extLst>
           </p:cNvPr>
@@ -4615,8 +4828,8 @@
         </p:nvSpPr>
         <p:spPr>
           <a:xfrm>
-            <a:off x="6014302" y="1807653"/>
-            <a:ext cx="7254762" cy="3253910"/>
+            <a:off x="6160810" y="6827414"/>
+            <a:ext cx="6983416" cy="2393558"/>
           </a:xfrm>
           <a:prstGeom prst="rect">
             <a:avLst/>
@@ -4701,10 +4914,19 @@
                 <a:solidFill>
                   <a:srgbClr val="000000"/>
                 </a:solidFill>
-                <a:effectLst/>
-                <a:latin typeface="Menlo" panose="020B0609030804020204" pitchFamily="49" charset="0"/>
-              </a:rPr>
-              <a:t>  .</a:t>
+                <a:latin typeface="Menlo" panose="020B0609030804020204" pitchFamily="49" charset="0"/>
+              </a:rPr>
+              <a:t>  </a:t>
+            </a:r>
+            <a:r>
+              <a:rPr lang="en-GB" b="0" dirty="0">
+                <a:solidFill>
+                  <a:srgbClr val="000000"/>
+                </a:solidFill>
+                <a:effectLst/>
+                <a:latin typeface="Menlo" panose="020B0609030804020204" pitchFamily="49" charset="0"/>
+              </a:rPr>
+              <a:t>.</a:t>
             </a:r>
             <a:r>
               <a:rPr lang="en-GB" b="0" dirty="0" err="1">
@@ -4838,32 +5060,109 @@
                 <a:effectLst/>
                 <a:latin typeface="Menlo" panose="020B0609030804020204" pitchFamily="49" charset="0"/>
               </a:rPr>
-              <a:t>static</a:t>
-            </a:r>
-            <a:r>
-              <a:rPr lang="en-GB" b="0" dirty="0">
-                <a:solidFill>
-                  <a:srgbClr val="000000"/>
-                </a:solidFill>
-                <a:effectLst/>
-                <a:latin typeface="Menlo" panose="020B0609030804020204" pitchFamily="49" charset="0"/>
-              </a:rPr>
-              <a:t> _ =&gt; </a:t>
-            </a:r>
-          </a:p>
-          <a:p>
-            <a:r>
-              <a:rPr lang="en-GB" b="0" dirty="0">
-                <a:solidFill>
-                  <a:srgbClr val="000000"/>
-                </a:solidFill>
-                <a:effectLst/>
-                <a:latin typeface="Menlo" panose="020B0609030804020204" pitchFamily="49" charset="0"/>
-              </a:rPr>
-              <a:t>    {</a:t>
-            </a:r>
-          </a:p>
-          <a:p>
+              <a:t>new</a:t>
+            </a:r>
+            <a:r>
+              <a:rPr lang="en-GB" b="0" dirty="0">
+                <a:solidFill>
+                  <a:srgbClr val="000000"/>
+                </a:solidFill>
+                <a:effectLst/>
+                <a:latin typeface="Menlo" panose="020B0609030804020204" pitchFamily="49" charset="0"/>
+              </a:rPr>
+              <a:t> </a:t>
+            </a:r>
+            <a:r>
+              <a:rPr lang="en-GB" b="0" dirty="0" err="1">
+                <a:solidFill>
+                  <a:srgbClr val="000000"/>
+                </a:solidFill>
+                <a:effectLst/>
+                <a:latin typeface="Menlo" panose="020B0609030804020204" pitchFamily="49" charset="0"/>
+              </a:rPr>
+              <a:t>OutcomeGenerator</a:t>
+            </a:r>
+            <a:r>
+              <a:rPr lang="en-GB" b="0" dirty="0">
+                <a:solidFill>
+                  <a:srgbClr val="000000"/>
+                </a:solidFill>
+                <a:effectLst/>
+                <a:latin typeface="Menlo" panose="020B0609030804020204" pitchFamily="49" charset="0"/>
+              </a:rPr>
+              <a:t>&lt;</a:t>
+            </a:r>
+            <a:r>
+              <a:rPr lang="en-GB" b="0" dirty="0" err="1">
+                <a:solidFill>
+                  <a:srgbClr val="000000"/>
+                </a:solidFill>
+                <a:effectLst/>
+                <a:latin typeface="Menlo" panose="020B0609030804020204" pitchFamily="49" charset="0"/>
+              </a:rPr>
+              <a:t>HttpResponseMessage</a:t>
+            </a:r>
+            <a:r>
+              <a:rPr lang="en-GB" b="0" dirty="0">
+                <a:solidFill>
+                  <a:srgbClr val="000000"/>
+                </a:solidFill>
+                <a:effectLst/>
+                <a:latin typeface="Menlo" panose="020B0609030804020204" pitchFamily="49" charset="0"/>
+              </a:rPr>
+              <a:t>&gt;()</a:t>
+            </a:r>
+          </a:p>
+          <a:p>
+            <a:r>
+              <a:rPr lang="en-GB" b="0" dirty="0">
+                <a:solidFill>
+                  <a:srgbClr val="000000"/>
+                </a:solidFill>
+                <a:effectLst/>
+                <a:latin typeface="Menlo" panose="020B0609030804020204" pitchFamily="49" charset="0"/>
+              </a:rPr>
+              <a:t>      .</a:t>
+            </a:r>
+            <a:r>
+              <a:rPr lang="en-GB" b="0" dirty="0" err="1">
+                <a:solidFill>
+                  <a:srgbClr val="000000"/>
+                </a:solidFill>
+                <a:effectLst/>
+                <a:latin typeface="Menlo" panose="020B0609030804020204" pitchFamily="49" charset="0"/>
+              </a:rPr>
+              <a:t>AddResult</a:t>
+            </a:r>
+            <a:r>
+              <a:rPr lang="en-GB" b="0" dirty="0">
+                <a:solidFill>
+                  <a:srgbClr val="000000"/>
+                </a:solidFill>
+                <a:effectLst/>
+                <a:latin typeface="Menlo" panose="020B0609030804020204" pitchFamily="49" charset="0"/>
+              </a:rPr>
+              <a:t>(() =&gt; </a:t>
+            </a:r>
+            <a:br>
+              <a:rPr lang="en-GB" b="0" dirty="0">
+                <a:solidFill>
+                  <a:srgbClr val="000000"/>
+                </a:solidFill>
+                <a:effectLst/>
+                <a:latin typeface="Menlo" panose="020B0609030804020204" pitchFamily="49" charset="0"/>
+              </a:rPr>
+            </a:br>
+            <a:r>
+              <a:rPr lang="en-GB" b="0" dirty="0">
+                <a:solidFill>
+                  <a:srgbClr val="000000"/>
+                </a:solidFill>
+                <a:effectLst/>
+                <a:latin typeface="Menlo" panose="020B0609030804020204" pitchFamily="49" charset="0"/>
+              </a:rPr>
+              <a:t>	  </a:t>
+            </a:r>
             <a:r>
               <a:rPr lang="en-GB" b="0" dirty="0">
                 <a:solidFill>
@@ -4872,7 +5171,7 @@
                 <a:effectLst/>
                 <a:latin typeface="Menlo" panose="020B0609030804020204" pitchFamily="49" charset="0"/>
               </a:rPr>
-              <a:t>      var</a:t>
+              <a:t>new</a:t>
             </a:r>
             <a:r>
               <a:rPr lang="en-GB" b="0" dirty="0">
@@ -4892,17 +5191,17 @@
                 <a:effectLst/>
                 <a:latin typeface="Menlo" panose="020B0609030804020204" pitchFamily="49" charset="0"/>
               </a:rPr>
-              <a:t>rnd</a:t>
-            </a:r>
-            <a:r>
-              <a:rPr lang="en-GB" b="0" dirty="0">
-                <a:solidFill>
-                  <a:srgbClr val="000000"/>
-                </a:solidFill>
-                <a:effectLst/>
-                <a:latin typeface="Menlo" panose="020B0609030804020204" pitchFamily="49" charset="0"/>
-              </a:rPr>
-              <a:t> = </a:t>
+              <a:t>HttpResponseMessage</a:t>
+            </a:r>
+            <a:r>
+              <a:rPr lang="en-GB" b="0" dirty="0">
+                <a:solidFill>
+                  <a:srgbClr val="000000"/>
+                </a:solidFill>
+                <a:effectLst/>
+                <a:latin typeface="Menlo" panose="020B0609030804020204" pitchFamily="49" charset="0"/>
+              </a:rPr>
+              <a:t>(</a:t>
             </a:r>
             <a:r>
               <a:rPr lang="en-GB" b="0" dirty="0" err="1">
@@ -4912,20 +5211,125 @@
                 <a:effectLst/>
                 <a:latin typeface="Menlo" panose="020B0609030804020204" pitchFamily="49" charset="0"/>
               </a:rPr>
-              <a:t>Random.Shared.NextDouble</a:t>
-            </a:r>
-            <a:r>
-              <a:rPr lang="en-GB" b="0" dirty="0">
-                <a:solidFill>
-                  <a:srgbClr val="000000"/>
-                </a:solidFill>
-                <a:effectLst/>
-                <a:latin typeface="Menlo" panose="020B0609030804020204" pitchFamily="49" charset="0"/>
-              </a:rPr>
-              <a:t>();</a:t>
-            </a:r>
-          </a:p>
-          <a:p>
+              <a:t>HttpStatusCode.InternalServerError</a:t>
+            </a:r>
+            <a:r>
+              <a:rPr lang="en-GB" b="0" dirty="0">
+                <a:solidFill>
+                  <a:srgbClr val="000000"/>
+                </a:solidFill>
+                <a:effectLst/>
+                <a:latin typeface="Menlo" panose="020B0609030804020204" pitchFamily="49" charset="0"/>
+              </a:rPr>
+              <a:t>),</a:t>
+            </a:r>
+            <a:r>
+              <a:rPr lang="en-GB" b="0" dirty="0">
+                <a:solidFill>
+                  <a:srgbClr val="000000"/>
+                </a:solidFill>
+                <a:latin typeface="Menlo" panose="020B0609030804020204" pitchFamily="49" charset="0"/>
+              </a:rPr>
+              <a:t> </a:t>
+            </a:r>
+            <a:br>
+              <a:rPr lang="en-GB" b="0" dirty="0">
+                <a:solidFill>
+                  <a:srgbClr val="000000"/>
+                </a:solidFill>
+                <a:latin typeface="Menlo" panose="020B0609030804020204" pitchFamily="49" charset="0"/>
+              </a:rPr>
+            </a:br>
+            <a:r>
+              <a:rPr lang="en-GB" b="0" dirty="0">
+                <a:solidFill>
+                  <a:srgbClr val="000000"/>
+                </a:solidFill>
+                <a:latin typeface="Menlo" panose="020B0609030804020204" pitchFamily="49" charset="0"/>
+              </a:rPr>
+              <a:t>	  </a:t>
+            </a:r>
+            <a:r>
+              <a:rPr lang="en-GB" b="0" dirty="0">
+                <a:solidFill>
+                  <a:srgbClr val="000000"/>
+                </a:solidFill>
+                <a:effectLst/>
+                <a:latin typeface="Menlo" panose="020B0609030804020204" pitchFamily="49" charset="0"/>
+              </a:rPr>
+              <a:t>weight: </a:t>
+            </a:r>
+            <a:r>
+              <a:rPr lang="en-GB" b="0" dirty="0">
+                <a:solidFill>
+                  <a:srgbClr val="098658"/>
+                </a:solidFill>
+                <a:effectLst/>
+                <a:latin typeface="Menlo" panose="020B0609030804020204" pitchFamily="49" charset="0"/>
+              </a:rPr>
+              <a:t>40</a:t>
+            </a:r>
+            <a:r>
+              <a:rPr lang="en-GB" b="0" dirty="0">
+                <a:solidFill>
+                  <a:srgbClr val="000000"/>
+                </a:solidFill>
+                <a:effectLst/>
+                <a:latin typeface="Menlo" panose="020B0609030804020204" pitchFamily="49" charset="0"/>
+              </a:rPr>
+              <a:t>)</a:t>
+            </a:r>
+          </a:p>
+          <a:p>
+            <a:r>
+              <a:rPr lang="en-GB" b="0" dirty="0">
+                <a:solidFill>
+                  <a:srgbClr val="000000"/>
+                </a:solidFill>
+                <a:effectLst/>
+                <a:latin typeface="Menlo" panose="020B0609030804020204" pitchFamily="49" charset="0"/>
+              </a:rPr>
+              <a:t>      .</a:t>
+            </a:r>
+            <a:r>
+              <a:rPr lang="en-GB" b="0" dirty="0" err="1">
+                <a:solidFill>
+                  <a:srgbClr val="000000"/>
+                </a:solidFill>
+                <a:effectLst/>
+                <a:latin typeface="Menlo" panose="020B0609030804020204" pitchFamily="49" charset="0"/>
+              </a:rPr>
+              <a:t>AddResult</a:t>
+            </a:r>
+            <a:r>
+              <a:rPr lang="en-GB" b="0" dirty="0">
+                <a:solidFill>
+                  <a:srgbClr val="000000"/>
+                </a:solidFill>
+                <a:effectLst/>
+                <a:latin typeface="Menlo" panose="020B0609030804020204" pitchFamily="49" charset="0"/>
+              </a:rPr>
+              <a:t>(() =&gt; </a:t>
+            </a:r>
+            <a:br>
+              <a:rPr lang="en-GB" b="0" dirty="0">
+                <a:solidFill>
+                  <a:srgbClr val="000000"/>
+                </a:solidFill>
+                <a:effectLst/>
+                <a:latin typeface="Menlo" panose="020B0609030804020204" pitchFamily="49" charset="0"/>
+              </a:rPr>
+            </a:br>
+            <a:r>
+              <a:rPr lang="en-GB" b="0" dirty="0">
+                <a:solidFill>
+                  <a:srgbClr val="000000"/>
+                </a:solidFill>
+                <a:effectLst/>
+                <a:latin typeface="Menlo" panose="020B0609030804020204" pitchFamily="49" charset="0"/>
+              </a:rPr>
+              <a:t>	  </a:t>
+            </a:r>
             <a:r>
               <a:rPr lang="en-GB" b="0" dirty="0">
                 <a:solidFill>
@@ -4934,7 +5338,17 @@
                 <a:effectLst/>
                 <a:latin typeface="Menlo" panose="020B0609030804020204" pitchFamily="49" charset="0"/>
               </a:rPr>
-              <a:t>      </a:t>
+              <a:t>new</a:t>
+            </a:r>
+            <a:r>
+              <a:rPr lang="en-GB" b="0" dirty="0">
+                <a:solidFill>
+                  <a:srgbClr val="000000"/>
+                </a:solidFill>
+                <a:effectLst/>
+                <a:latin typeface="Menlo" panose="020B0609030804020204" pitchFamily="49" charset="0"/>
+              </a:rPr>
+              <a:t> </a:t>
             </a:r>
             <a:r>
               <a:rPr lang="en-GB" b="0" dirty="0" err="1">
@@ -4944,17 +5358,17 @@
                 <a:effectLst/>
                 <a:latin typeface="Menlo" panose="020B0609030804020204" pitchFamily="49" charset="0"/>
               </a:rPr>
-              <a:t>HttpStatusCode</a:t>
-            </a:r>
-            <a:r>
-              <a:rPr lang="en-GB" b="0" dirty="0">
-                <a:solidFill>
-                  <a:srgbClr val="000000"/>
-                </a:solidFill>
-                <a:effectLst/>
-                <a:latin typeface="Menlo" panose="020B0609030804020204" pitchFamily="49" charset="0"/>
-              </a:rPr>
-              <a:t> </a:t>
+              <a:t>HttpResponseMessage</a:t>
+            </a:r>
+            <a:r>
+              <a:rPr lang="en-GB" b="0" dirty="0">
+                <a:solidFill>
+                  <a:srgbClr val="000000"/>
+                </a:solidFill>
+                <a:effectLst/>
+                <a:latin typeface="Menlo" panose="020B0609030804020204" pitchFamily="49" charset="0"/>
+              </a:rPr>
+              <a:t>(</a:t>
             </a:r>
             <a:r>
               <a:rPr lang="en-GB" b="0" dirty="0" err="1">
@@ -4964,343 +5378,87 @@
                 <a:effectLst/>
                 <a:latin typeface="Menlo" panose="020B0609030804020204" pitchFamily="49" charset="0"/>
               </a:rPr>
-              <a:t>statusCode</a:t>
-            </a:r>
-            <a:r>
-              <a:rPr lang="en-GB" b="0" dirty="0">
-                <a:solidFill>
-                  <a:srgbClr val="000000"/>
-                </a:solidFill>
-                <a:effectLst/>
-                <a:latin typeface="Menlo" panose="020B0609030804020204" pitchFamily="49" charset="0"/>
-              </a:rPr>
-              <a:t> = </a:t>
-            </a:r>
-            <a:r>
-              <a:rPr lang="en-GB" b="0" dirty="0" err="1">
-                <a:solidFill>
-                  <a:srgbClr val="000000"/>
-                </a:solidFill>
-                <a:effectLst/>
-                <a:latin typeface="Menlo" panose="020B0609030804020204" pitchFamily="49" charset="0"/>
-              </a:rPr>
-              <a:t>rnd</a:t>
-            </a:r>
-            <a:r>
-              <a:rPr lang="en-GB" b="0" dirty="0">
-                <a:solidFill>
-                  <a:srgbClr val="000000"/>
-                </a:solidFill>
-                <a:effectLst/>
-                <a:latin typeface="Menlo" panose="020B0609030804020204" pitchFamily="49" charset="0"/>
-              </a:rPr>
-              <a:t> </a:t>
-            </a:r>
-            <a:r>
-              <a:rPr lang="en-GB" b="0" dirty="0">
-                <a:solidFill>
-                  <a:srgbClr val="0000FF"/>
-                </a:solidFill>
-                <a:effectLst/>
-                <a:latin typeface="Menlo" panose="020B0609030804020204" pitchFamily="49" charset="0"/>
-              </a:rPr>
-              <a:t>switch</a:t>
-            </a:r>
-            <a:endParaRPr lang="en-GB" b="0" dirty="0">
-              <a:solidFill>
-                <a:srgbClr val="000000"/>
-              </a:solidFill>
-              <a:effectLst/>
-              <a:latin typeface="Menlo" panose="020B0609030804020204" pitchFamily="49" charset="0"/>
-            </a:endParaRPr>
-          </a:p>
-          <a:p>
-            <a:r>
-              <a:rPr lang="en-GB" b="0" dirty="0">
-                <a:solidFill>
-                  <a:srgbClr val="000000"/>
-                </a:solidFill>
-                <a:effectLst/>
-                <a:latin typeface="Menlo" panose="020B0609030804020204" pitchFamily="49" charset="0"/>
-              </a:rPr>
-              <a:t>      {</a:t>
-            </a:r>
-          </a:p>
-          <a:p>
-            <a:r>
-              <a:rPr lang="en-GB" b="0" dirty="0">
-                <a:solidFill>
-                  <a:srgbClr val="000000"/>
-                </a:solidFill>
-                <a:effectLst/>
-                <a:latin typeface="Menlo" panose="020B0609030804020204" pitchFamily="49" charset="0"/>
-              </a:rPr>
-              <a:t>        &lt; </a:t>
+              <a:t>HttpStatusCode.RequestTimeout</a:t>
+            </a:r>
+            <a:r>
+              <a:rPr lang="en-GB" b="0" dirty="0">
+                <a:solidFill>
+                  <a:srgbClr val="000000"/>
+                </a:solidFill>
+                <a:effectLst/>
+                <a:latin typeface="Menlo" panose="020B0609030804020204" pitchFamily="49" charset="0"/>
+              </a:rPr>
+              <a:t>), </a:t>
+            </a:r>
+            <a:br>
+              <a:rPr lang="en-GB" b="0" dirty="0">
+                <a:solidFill>
+                  <a:srgbClr val="000000"/>
+                </a:solidFill>
+                <a:effectLst/>
+                <a:latin typeface="Menlo" panose="020B0609030804020204" pitchFamily="49" charset="0"/>
+              </a:rPr>
+            </a:br>
+            <a:r>
+              <a:rPr lang="en-GB" b="0" dirty="0">
+                <a:solidFill>
+                  <a:srgbClr val="000000"/>
+                </a:solidFill>
+                <a:effectLst/>
+                <a:latin typeface="Menlo" panose="020B0609030804020204" pitchFamily="49" charset="0"/>
+              </a:rPr>
+              <a:t>	  weight: </a:t>
             </a:r>
             <a:r>
               <a:rPr lang="en-GB" b="0" dirty="0">
                 <a:solidFill>
                   <a:srgbClr val="098658"/>
                 </a:solidFill>
-                <a:effectLst/>
-                <a:latin typeface="Menlo" panose="020B0609030804020204" pitchFamily="49" charset="0"/>
-              </a:rPr>
-              <a:t>0.4</a:t>
-            </a:r>
-            <a:r>
-              <a:rPr lang="en-GB" b="0" dirty="0">
-                <a:solidFill>
-                  <a:srgbClr val="000000"/>
-                </a:solidFill>
-                <a:effectLst/>
-                <a:latin typeface="Menlo" panose="020B0609030804020204" pitchFamily="49" charset="0"/>
-              </a:rPr>
-              <a:t> =&gt; </a:t>
-            </a:r>
-            <a:r>
-              <a:rPr lang="en-GB" b="0" dirty="0" err="1">
-                <a:solidFill>
-                  <a:srgbClr val="000000"/>
-                </a:solidFill>
-                <a:effectLst/>
-                <a:latin typeface="Menlo" panose="020B0609030804020204" pitchFamily="49" charset="0"/>
-              </a:rPr>
-              <a:t>HttpStatusCode.InternalServerError</a:t>
-            </a:r>
-            <a:r>
-              <a:rPr lang="en-GB" b="0" dirty="0">
-                <a:solidFill>
-                  <a:srgbClr val="000000"/>
-                </a:solidFill>
-                <a:effectLst/>
-                <a:latin typeface="Menlo" panose="020B0609030804020204" pitchFamily="49" charset="0"/>
-              </a:rPr>
-              <a:t>,</a:t>
-            </a:r>
-          </a:p>
-          <a:p>
-            <a:r>
-              <a:rPr lang="en-GB" b="0" dirty="0">
-                <a:solidFill>
-                  <a:srgbClr val="0000FF"/>
-                </a:solidFill>
-                <a:effectLst/>
-                <a:latin typeface="Menlo" panose="020B0609030804020204" pitchFamily="49" charset="0"/>
-              </a:rPr>
-              <a:t>	  _</a:t>
-            </a:r>
-            <a:r>
-              <a:rPr lang="en-GB" b="0" dirty="0">
-                <a:solidFill>
-                  <a:srgbClr val="000000"/>
-                </a:solidFill>
-                <a:effectLst/>
-                <a:latin typeface="Menlo" panose="020B0609030804020204" pitchFamily="49" charset="0"/>
-              </a:rPr>
-              <a:t> =&gt; </a:t>
-            </a:r>
-            <a:r>
-              <a:rPr lang="en-GB" b="0" dirty="0" err="1">
-                <a:solidFill>
-                  <a:srgbClr val="000000"/>
-                </a:solidFill>
-                <a:effectLst/>
-                <a:latin typeface="Menlo" panose="020B0609030804020204" pitchFamily="49" charset="0"/>
-              </a:rPr>
-              <a:t>HttpStatusCode</a:t>
-            </a:r>
-            <a:r>
-              <a:rPr lang="en-GB" b="0" dirty="0" err="1">
-                <a:solidFill>
-                  <a:srgbClr val="000000"/>
-                </a:solidFill>
-                <a:latin typeface="Menlo" panose="020B0609030804020204" pitchFamily="49" charset="0"/>
-              </a:rPr>
-              <a:t>.</a:t>
-            </a:r>
-            <a:r>
-              <a:rPr lang="en-GB" b="0" dirty="0" err="1">
-                <a:solidFill>
-                  <a:srgbClr val="000000"/>
-                </a:solidFill>
-                <a:effectLst/>
-                <a:latin typeface="Menlo" panose="020B0609030804020204" pitchFamily="49" charset="0"/>
-              </a:rPr>
-              <a:t>RequestTimeout</a:t>
-            </a:r>
-            <a:endParaRPr lang="en-GB" b="0" dirty="0">
-              <a:solidFill>
-                <a:srgbClr val="000000"/>
-              </a:solidFill>
-              <a:effectLst/>
-              <a:latin typeface="Menlo" panose="020B0609030804020204" pitchFamily="49" charset="0"/>
-            </a:endParaRPr>
-          </a:p>
-          <a:p>
-            <a:r>
-              <a:rPr lang="en-GB" b="0" dirty="0">
-                <a:solidFill>
-                  <a:srgbClr val="000000"/>
-                </a:solidFill>
-                <a:effectLst/>
-                <a:latin typeface="Menlo" panose="020B0609030804020204" pitchFamily="49" charset="0"/>
-              </a:rPr>
-              <a:t>      };</a:t>
-            </a:r>
-          </a:p>
-          <a:p>
-            <a:r>
-              <a:rPr lang="en-GB" b="0" dirty="0">
-                <a:solidFill>
-                  <a:srgbClr val="0000FF"/>
-                </a:solidFill>
-                <a:effectLst/>
-                <a:latin typeface="Menlo" panose="020B0609030804020204" pitchFamily="49" charset="0"/>
-              </a:rPr>
-              <a:t>      return</a:t>
-            </a:r>
-            <a:r>
-              <a:rPr lang="en-GB" b="0" dirty="0">
-                <a:solidFill>
-                  <a:srgbClr val="000000"/>
-                </a:solidFill>
-                <a:effectLst/>
-                <a:latin typeface="Menlo" panose="020B0609030804020204" pitchFamily="49" charset="0"/>
-              </a:rPr>
-              <a:t> </a:t>
-            </a:r>
-            <a:r>
-              <a:rPr lang="en-GB" b="0" dirty="0" err="1">
-                <a:solidFill>
-                  <a:srgbClr val="000000"/>
-                </a:solidFill>
-                <a:effectLst/>
-                <a:latin typeface="Menlo" panose="020B0609030804020204" pitchFamily="49" charset="0"/>
-              </a:rPr>
-              <a:t>Outcome.FromResultAsValueTask</a:t>
-            </a:r>
-            <a:r>
-              <a:rPr lang="en-GB" b="0" dirty="0">
-                <a:solidFill>
-                  <a:srgbClr val="000000"/>
-                </a:solidFill>
-                <a:effectLst/>
-                <a:latin typeface="Menlo" panose="020B0609030804020204" pitchFamily="49" charset="0"/>
-              </a:rPr>
-              <a:t>(</a:t>
-            </a:r>
-            <a:br>
-              <a:rPr lang="en-GB" b="0" dirty="0">
-                <a:solidFill>
-                  <a:srgbClr val="000000"/>
-                </a:solidFill>
-                <a:effectLst/>
-                <a:latin typeface="Menlo" panose="020B0609030804020204" pitchFamily="49" charset="0"/>
-              </a:rPr>
-            </a:br>
-            <a:r>
-              <a:rPr lang="en-GB" b="0" dirty="0">
-                <a:solidFill>
-                  <a:srgbClr val="000000"/>
-                </a:solidFill>
-                <a:effectLst/>
-                <a:latin typeface="Menlo" panose="020B0609030804020204" pitchFamily="49" charset="0"/>
-              </a:rPr>
-              <a:t>         </a:t>
-            </a:r>
-            <a:r>
-              <a:rPr lang="en-GB" b="0" dirty="0">
-                <a:solidFill>
-                  <a:srgbClr val="0000FF"/>
-                </a:solidFill>
-                <a:effectLst/>
-                <a:latin typeface="Menlo" panose="020B0609030804020204" pitchFamily="49" charset="0"/>
-              </a:rPr>
-              <a:t>new</a:t>
-            </a:r>
-            <a:r>
-              <a:rPr lang="en-GB" b="0" dirty="0">
-                <a:solidFill>
-                  <a:srgbClr val="000000"/>
-                </a:solidFill>
-                <a:effectLst/>
-                <a:latin typeface="Menlo" panose="020B0609030804020204" pitchFamily="49" charset="0"/>
-              </a:rPr>
-              <a:t> </a:t>
-            </a:r>
-            <a:r>
-              <a:rPr lang="en-GB" b="0" dirty="0" err="1">
-                <a:solidFill>
-                  <a:srgbClr val="000000"/>
-                </a:solidFill>
-                <a:effectLst/>
-                <a:latin typeface="Menlo" panose="020B0609030804020204" pitchFamily="49" charset="0"/>
-              </a:rPr>
-              <a:t>HttpResponseMessage</a:t>
-            </a:r>
-            <a:r>
-              <a:rPr lang="en-GB" b="0" dirty="0">
-                <a:solidFill>
-                  <a:srgbClr val="000000"/>
-                </a:solidFill>
-                <a:effectLst/>
-                <a:latin typeface="Menlo" panose="020B0609030804020204" pitchFamily="49" charset="0"/>
-              </a:rPr>
-              <a:t>(</a:t>
-            </a:r>
-            <a:r>
-              <a:rPr lang="en-GB" b="0" dirty="0" err="1">
-                <a:solidFill>
-                  <a:srgbClr val="000000"/>
-                </a:solidFill>
-                <a:effectLst/>
-                <a:latin typeface="Menlo" panose="020B0609030804020204" pitchFamily="49" charset="0"/>
-              </a:rPr>
-              <a:t>statusCode</a:t>
-            </a:r>
-            <a:r>
-              <a:rPr lang="en-GB" b="0" dirty="0">
-                <a:solidFill>
-                  <a:srgbClr val="000000"/>
-                </a:solidFill>
-                <a:effectLst/>
-                <a:latin typeface="Menlo" panose="020B0609030804020204" pitchFamily="49" charset="0"/>
-              </a:rPr>
-              <a:t>));</a:t>
-            </a:r>
-          </a:p>
-          <a:p>
-            <a:r>
-              <a:rPr lang="en-GB" b="0" dirty="0">
-                <a:solidFill>
-                  <a:srgbClr val="000000"/>
-                </a:solidFill>
-                <a:effectLst/>
-                <a:latin typeface="Menlo" panose="020B0609030804020204" pitchFamily="49" charset="0"/>
-              </a:rPr>
-              <a:t>    }</a:t>
-            </a:r>
-          </a:p>
-          <a:p>
-            <a:r>
-              <a:rPr lang="en-GB" b="0" dirty="0">
-                <a:solidFill>
-                  <a:srgbClr val="000000"/>
-                </a:solidFill>
-                <a:effectLst/>
-                <a:latin typeface="Menlo" panose="020B0609030804020204" pitchFamily="49" charset="0"/>
-              </a:rPr>
-              <a:t>  })</a:t>
+                <a:latin typeface="Menlo" panose="020B0609030804020204" pitchFamily="49" charset="0"/>
+              </a:rPr>
+              <a:t>6</a:t>
+            </a:r>
+            <a:r>
+              <a:rPr lang="en-GB" b="0" dirty="0">
+                <a:solidFill>
+                  <a:srgbClr val="098658"/>
+                </a:solidFill>
+                <a:effectLst/>
+                <a:latin typeface="Menlo" panose="020B0609030804020204" pitchFamily="49" charset="0"/>
+              </a:rPr>
+              <a:t>0</a:t>
+            </a:r>
+            <a:r>
+              <a:rPr lang="en-GB" b="0" dirty="0">
+                <a:solidFill>
+                  <a:srgbClr val="000000"/>
+                </a:solidFill>
+                <a:effectLst/>
+                <a:latin typeface="Menlo" panose="020B0609030804020204" pitchFamily="49" charset="0"/>
+              </a:rPr>
+              <a:t>)</a:t>
+            </a:r>
+          </a:p>
+          <a:p>
+            <a:r>
+              <a:rPr lang="en-GB" b="0" dirty="0">
+                <a:solidFill>
+                  <a:srgbClr val="000000"/>
+                </a:solidFill>
+                <a:effectLst/>
+                <a:latin typeface="Menlo" panose="020B0609030804020204" pitchFamily="49" charset="0"/>
+              </a:rPr>
+              <a:t>})</a:t>
             </a:r>
           </a:p>
         </p:txBody>
       </p:sp>
       <p:sp>
         <p:nvSpPr>
-          <p:cNvPr id="37" name="Group">
+          <p:cNvPr id="39" name="Group">
             <a:extLst>
               <a:ext uri="{FF2B5EF4-FFF2-40B4-BE49-F238E27FC236}">
-                <a16:creationId xmlns:a16="http://schemas.microsoft.com/office/drawing/2014/main" id="{BAE908F7-9761-68A6-BAAF-F4F6DB2B7D5D}"/>
+                <a16:creationId xmlns:a16="http://schemas.microsoft.com/office/drawing/2014/main" id="{F01B4A33-5FBD-403C-A94A-5F649375B7DE}"/>
               </a:ext>
             </a:extLst>
           </p:cNvPr>
@@ -5309,8 +5467,8 @@
         </p:nvSpPr>
         <p:spPr>
           <a:xfrm>
-            <a:off x="6014301" y="5638807"/>
-            <a:ext cx="7254762" cy="2443903"/>
+            <a:off x="631033" y="7605184"/>
+            <a:ext cx="5119317" cy="1616285"/>
           </a:xfrm>
           <a:prstGeom prst="rect">
             <a:avLst/>
@@ -5395,19 +5553,10 @@
                 <a:solidFill>
                   <a:srgbClr val="000000"/>
                 </a:solidFill>
-                <a:latin typeface="Menlo" panose="020B0609030804020204" pitchFamily="49" charset="0"/>
-              </a:rPr>
-              <a:t>  </a:t>
-            </a:r>
-            <a:r>
-              <a:rPr lang="en-GB" b="0" dirty="0">
-                <a:solidFill>
-                  <a:srgbClr val="000000"/>
-                </a:solidFill>
-                <a:effectLst/>
-                <a:latin typeface="Menlo" panose="020B0609030804020204" pitchFamily="49" charset="0"/>
-              </a:rPr>
-              <a:t>.</a:t>
+                <a:effectLst/>
+                <a:latin typeface="Menlo" panose="020B0609030804020204" pitchFamily="49" charset="0"/>
+              </a:rPr>
+              <a:t>  .</a:t>
             </a:r>
             <a:r>
               <a:rPr lang="en-GB" b="0" dirty="0" err="1">
@@ -5521,7 +5670,7 @@
                 <a:effectLst/>
                 <a:latin typeface="Menlo" panose="020B0609030804020204" pitchFamily="49" charset="0"/>
               </a:rPr>
-              <a:t>OutcomeGenerator</a:t>
+              <a:t>OnOutcomeInjected</a:t>
             </a:r>
             <a:r>
               <a:rPr lang="en-GB" b="0" dirty="0">
@@ -5541,7 +5690,7 @@
                 <a:effectLst/>
                 <a:latin typeface="Menlo" panose="020B0609030804020204" pitchFamily="49" charset="0"/>
               </a:rPr>
-              <a:t>new</a:t>
+              <a:t>static</a:t>
             </a:r>
             <a:r>
               <a:rPr lang="en-GB" b="0" dirty="0">
@@ -5554,6 +5703,26 @@
               <a:t> </a:t>
             </a:r>
             <a:r>
+              <a:rPr lang="en-GB" b="0" dirty="0">
+                <a:solidFill>
+                  <a:srgbClr val="0000FF"/>
+                </a:solidFill>
+                <a:effectLst/>
+                <a:latin typeface="Menlo" panose="020B0609030804020204" pitchFamily="49" charset="0"/>
+              </a:rPr>
+              <a:t>async</a:t>
+            </a:r>
+            <a:r>
+              <a:rPr lang="en-GB" b="0" dirty="0">
+                <a:solidFill>
+                  <a:srgbClr val="000000"/>
+                </a:solidFill>
+                <a:effectLst/>
+                <a:latin typeface="Menlo" panose="020B0609030804020204" pitchFamily="49" charset="0"/>
+              </a:rPr>
+              <a:t> </a:t>
+            </a:r>
+            <a:r>
               <a:rPr lang="en-GB" b="0" dirty="0" err="1">
                 <a:solidFill>
                   <a:srgbClr val="000000"/>
@@ -5561,685 +5730,6 @@
                 <a:effectLst/>
                 <a:latin typeface="Menlo" panose="020B0609030804020204" pitchFamily="49" charset="0"/>
               </a:rPr>
-              <a:t>OutcomeGenerator</a:t>
-            </a:r>
-            <a:r>
-              <a:rPr lang="en-GB" b="0" dirty="0">
-                <a:solidFill>
-                  <a:srgbClr val="000000"/>
-                </a:solidFill>
-                <a:effectLst/>
-                <a:latin typeface="Menlo" panose="020B0609030804020204" pitchFamily="49" charset="0"/>
-              </a:rPr>
-              <a:t>&lt;</a:t>
-            </a:r>
-            <a:r>
-              <a:rPr lang="en-GB" b="0" dirty="0" err="1">
-                <a:solidFill>
-                  <a:srgbClr val="000000"/>
-                </a:solidFill>
-                <a:effectLst/>
-                <a:latin typeface="Menlo" panose="020B0609030804020204" pitchFamily="49" charset="0"/>
-              </a:rPr>
-              <a:t>HttpResponseMessage</a:t>
-            </a:r>
-            <a:r>
-              <a:rPr lang="en-GB" b="0" dirty="0">
-                <a:solidFill>
-                  <a:srgbClr val="000000"/>
-                </a:solidFill>
-                <a:effectLst/>
-                <a:latin typeface="Menlo" panose="020B0609030804020204" pitchFamily="49" charset="0"/>
-              </a:rPr>
-              <a:t>&gt;()</a:t>
-            </a:r>
-          </a:p>
-          <a:p>
-            <a:r>
-              <a:rPr lang="en-GB" b="0" dirty="0">
-                <a:solidFill>
-                  <a:srgbClr val="000000"/>
-                </a:solidFill>
-                <a:effectLst/>
-                <a:latin typeface="Menlo" panose="020B0609030804020204" pitchFamily="49" charset="0"/>
-              </a:rPr>
-              <a:t>      .</a:t>
-            </a:r>
-            <a:r>
-              <a:rPr lang="en-GB" b="0" dirty="0" err="1">
-                <a:solidFill>
-                  <a:srgbClr val="000000"/>
-                </a:solidFill>
-                <a:effectLst/>
-                <a:latin typeface="Menlo" panose="020B0609030804020204" pitchFamily="49" charset="0"/>
-              </a:rPr>
-              <a:t>AddResult</a:t>
-            </a:r>
-            <a:r>
-              <a:rPr lang="en-GB" b="0" dirty="0">
-                <a:solidFill>
-                  <a:srgbClr val="000000"/>
-                </a:solidFill>
-                <a:effectLst/>
-                <a:latin typeface="Menlo" panose="020B0609030804020204" pitchFamily="49" charset="0"/>
-              </a:rPr>
-              <a:t>(() =&gt; </a:t>
-            </a:r>
-            <a:r>
-              <a:rPr lang="en-GB" b="0" dirty="0">
-                <a:solidFill>
-                  <a:srgbClr val="0000FF"/>
-                </a:solidFill>
-                <a:effectLst/>
-                <a:latin typeface="Menlo" panose="020B0609030804020204" pitchFamily="49" charset="0"/>
-              </a:rPr>
-              <a:t>new</a:t>
-            </a:r>
-            <a:r>
-              <a:rPr lang="en-GB" b="0" dirty="0">
-                <a:solidFill>
-                  <a:srgbClr val="000000"/>
-                </a:solidFill>
-                <a:effectLst/>
-                <a:latin typeface="Menlo" panose="020B0609030804020204" pitchFamily="49" charset="0"/>
-              </a:rPr>
-              <a:t> </a:t>
-            </a:r>
-            <a:r>
-              <a:rPr lang="en-GB" b="0" dirty="0" err="1">
-                <a:solidFill>
-                  <a:srgbClr val="000000"/>
-                </a:solidFill>
-                <a:effectLst/>
-                <a:latin typeface="Menlo" panose="020B0609030804020204" pitchFamily="49" charset="0"/>
-              </a:rPr>
-              <a:t>HttpResponseMessage</a:t>
-            </a:r>
-            <a:r>
-              <a:rPr lang="en-GB" b="0" dirty="0">
-                <a:solidFill>
-                  <a:srgbClr val="000000"/>
-                </a:solidFill>
-                <a:effectLst/>
-                <a:latin typeface="Menlo" panose="020B0609030804020204" pitchFamily="49" charset="0"/>
-              </a:rPr>
-              <a:t>(</a:t>
-            </a:r>
-            <a:r>
-              <a:rPr lang="en-GB" b="0" dirty="0" err="1">
-                <a:solidFill>
-                  <a:srgbClr val="000000"/>
-                </a:solidFill>
-                <a:effectLst/>
-                <a:latin typeface="Menlo" panose="020B0609030804020204" pitchFamily="49" charset="0"/>
-              </a:rPr>
-              <a:t>HttpStatusCode.InternalServerError</a:t>
-            </a:r>
-            <a:r>
-              <a:rPr lang="en-GB" b="0" dirty="0">
-                <a:solidFill>
-                  <a:srgbClr val="000000"/>
-                </a:solidFill>
-                <a:effectLst/>
-                <a:latin typeface="Menlo" panose="020B0609030804020204" pitchFamily="49" charset="0"/>
-              </a:rPr>
-              <a:t>),</a:t>
-            </a:r>
-            <a:r>
-              <a:rPr lang="en-GB" b="0" dirty="0">
-                <a:solidFill>
-                  <a:srgbClr val="000000"/>
-                </a:solidFill>
-                <a:latin typeface="Menlo" panose="020B0609030804020204" pitchFamily="49" charset="0"/>
-              </a:rPr>
-              <a:t> </a:t>
-            </a:r>
-            <a:r>
-              <a:rPr lang="en-GB" b="0" dirty="0">
-                <a:solidFill>
-                  <a:srgbClr val="000000"/>
-                </a:solidFill>
-                <a:effectLst/>
-                <a:latin typeface="Menlo" panose="020B0609030804020204" pitchFamily="49" charset="0"/>
-              </a:rPr>
-              <a:t>weight: </a:t>
-            </a:r>
-            <a:r>
-              <a:rPr lang="en-GB" b="0" dirty="0">
-                <a:solidFill>
-                  <a:srgbClr val="098658"/>
-                </a:solidFill>
-                <a:effectLst/>
-                <a:latin typeface="Menlo" panose="020B0609030804020204" pitchFamily="49" charset="0"/>
-              </a:rPr>
-              <a:t>40</a:t>
-            </a:r>
-            <a:r>
-              <a:rPr lang="en-GB" b="0" dirty="0">
-                <a:solidFill>
-                  <a:srgbClr val="000000"/>
-                </a:solidFill>
-                <a:effectLst/>
-                <a:latin typeface="Menlo" panose="020B0609030804020204" pitchFamily="49" charset="0"/>
-              </a:rPr>
-              <a:t>)</a:t>
-            </a:r>
-          </a:p>
-          <a:p>
-            <a:r>
-              <a:rPr lang="en-GB" b="0" dirty="0">
-                <a:solidFill>
-                  <a:srgbClr val="000000"/>
-                </a:solidFill>
-                <a:effectLst/>
-                <a:latin typeface="Menlo" panose="020B0609030804020204" pitchFamily="49" charset="0"/>
-              </a:rPr>
-              <a:t>      .</a:t>
-            </a:r>
-            <a:r>
-              <a:rPr lang="en-GB" b="0" dirty="0" err="1">
-                <a:solidFill>
-                  <a:srgbClr val="000000"/>
-                </a:solidFill>
-                <a:effectLst/>
-                <a:latin typeface="Menlo" panose="020B0609030804020204" pitchFamily="49" charset="0"/>
-              </a:rPr>
-              <a:t>AddResult</a:t>
-            </a:r>
-            <a:r>
-              <a:rPr lang="en-GB" b="0" dirty="0">
-                <a:solidFill>
-                  <a:srgbClr val="000000"/>
-                </a:solidFill>
-                <a:effectLst/>
-                <a:latin typeface="Menlo" panose="020B0609030804020204" pitchFamily="49" charset="0"/>
-              </a:rPr>
-              <a:t>(() =&gt; </a:t>
-            </a:r>
-            <a:r>
-              <a:rPr lang="en-GB" b="0" dirty="0">
-                <a:solidFill>
-                  <a:srgbClr val="0000FF"/>
-                </a:solidFill>
-                <a:effectLst/>
-                <a:latin typeface="Menlo" panose="020B0609030804020204" pitchFamily="49" charset="0"/>
-              </a:rPr>
-              <a:t>new</a:t>
-            </a:r>
-            <a:r>
-              <a:rPr lang="en-GB" b="0" dirty="0">
-                <a:solidFill>
-                  <a:srgbClr val="000000"/>
-                </a:solidFill>
-                <a:effectLst/>
-                <a:latin typeface="Menlo" panose="020B0609030804020204" pitchFamily="49" charset="0"/>
-              </a:rPr>
-              <a:t> </a:t>
-            </a:r>
-            <a:r>
-              <a:rPr lang="en-GB" b="0" dirty="0" err="1">
-                <a:solidFill>
-                  <a:srgbClr val="000000"/>
-                </a:solidFill>
-                <a:effectLst/>
-                <a:latin typeface="Menlo" panose="020B0609030804020204" pitchFamily="49" charset="0"/>
-              </a:rPr>
-              <a:t>HttpResponseMessage</a:t>
-            </a:r>
-            <a:r>
-              <a:rPr lang="en-GB" b="0" dirty="0">
-                <a:solidFill>
-                  <a:srgbClr val="000000"/>
-                </a:solidFill>
-                <a:effectLst/>
-                <a:latin typeface="Menlo" panose="020B0609030804020204" pitchFamily="49" charset="0"/>
-              </a:rPr>
-              <a:t>(</a:t>
-            </a:r>
-            <a:r>
-              <a:rPr lang="en-GB" b="0" dirty="0" err="1">
-                <a:solidFill>
-                  <a:srgbClr val="000000"/>
-                </a:solidFill>
-                <a:effectLst/>
-                <a:latin typeface="Menlo" panose="020B0609030804020204" pitchFamily="49" charset="0"/>
-              </a:rPr>
-              <a:t>HttpStatusCode.RequestTimeout</a:t>
-            </a:r>
-            <a:r>
-              <a:rPr lang="en-GB" b="0" dirty="0">
-                <a:solidFill>
-                  <a:srgbClr val="000000"/>
-                </a:solidFill>
-                <a:effectLst/>
-                <a:latin typeface="Menlo" panose="020B0609030804020204" pitchFamily="49" charset="0"/>
-              </a:rPr>
-              <a:t>), weight: </a:t>
-            </a:r>
-            <a:r>
-              <a:rPr lang="en-GB" b="0" dirty="0">
-                <a:solidFill>
-                  <a:srgbClr val="098658"/>
-                </a:solidFill>
-                <a:effectLst/>
-                <a:latin typeface="Menlo" panose="020B0609030804020204" pitchFamily="49" charset="0"/>
-              </a:rPr>
-              <a:t>50</a:t>
-            </a:r>
-            <a:r>
-              <a:rPr lang="en-GB" b="0" dirty="0">
-                <a:solidFill>
-                  <a:srgbClr val="000000"/>
-                </a:solidFill>
-                <a:effectLst/>
-                <a:latin typeface="Menlo" panose="020B0609030804020204" pitchFamily="49" charset="0"/>
-              </a:rPr>
-              <a:t>)</a:t>
-            </a:r>
-          </a:p>
-          <a:p>
-            <a:r>
-              <a:rPr lang="en-GB" b="0" dirty="0">
-                <a:solidFill>
-                  <a:srgbClr val="000000"/>
-                </a:solidFill>
-                <a:effectLst/>
-                <a:latin typeface="Menlo" panose="020B0609030804020204" pitchFamily="49" charset="0"/>
-              </a:rPr>
-              <a:t>      .</a:t>
-            </a:r>
-            <a:r>
-              <a:rPr lang="en-GB" b="0" dirty="0" err="1">
-                <a:solidFill>
-                  <a:srgbClr val="000000"/>
-                </a:solidFill>
-                <a:effectLst/>
-                <a:latin typeface="Menlo" panose="020B0609030804020204" pitchFamily="49" charset="0"/>
-              </a:rPr>
-              <a:t>AddException</a:t>
-            </a:r>
-            <a:r>
-              <a:rPr lang="en-GB" b="0" dirty="0">
-                <a:solidFill>
-                  <a:srgbClr val="000000"/>
-                </a:solidFill>
-                <a:effectLst/>
-                <a:latin typeface="Menlo" panose="020B0609030804020204" pitchFamily="49" charset="0"/>
-              </a:rPr>
-              <a:t>(() =&gt; </a:t>
-            </a:r>
-            <a:r>
-              <a:rPr lang="en-GB" b="0" dirty="0">
-                <a:solidFill>
-                  <a:srgbClr val="0000FF"/>
-                </a:solidFill>
-                <a:effectLst/>
-                <a:latin typeface="Menlo" panose="020B0609030804020204" pitchFamily="49" charset="0"/>
-              </a:rPr>
-              <a:t>new</a:t>
-            </a:r>
-            <a:r>
-              <a:rPr lang="en-GB" b="0" dirty="0">
-                <a:solidFill>
-                  <a:srgbClr val="000000"/>
-                </a:solidFill>
-                <a:effectLst/>
-                <a:latin typeface="Menlo" panose="020B0609030804020204" pitchFamily="49" charset="0"/>
-              </a:rPr>
-              <a:t> </a:t>
-            </a:r>
-            <a:r>
-              <a:rPr lang="en-GB" b="0" dirty="0" err="1">
-                <a:solidFill>
-                  <a:srgbClr val="000000"/>
-                </a:solidFill>
-                <a:effectLst/>
-                <a:latin typeface="Menlo" panose="020B0609030804020204" pitchFamily="49" charset="0"/>
-              </a:rPr>
-              <a:t>HttpRequestException</a:t>
-            </a:r>
-            <a:r>
-              <a:rPr lang="en-GB" b="0" dirty="0">
-                <a:solidFill>
-                  <a:srgbClr val="000000"/>
-                </a:solidFill>
-                <a:effectLst/>
-                <a:latin typeface="Menlo" panose="020B0609030804020204" pitchFamily="49" charset="0"/>
-              </a:rPr>
-              <a:t>(</a:t>
-            </a:r>
-            <a:r>
-              <a:rPr lang="en-GB" b="0" dirty="0" err="1">
-                <a:solidFill>
-                  <a:srgbClr val="000000"/>
-                </a:solidFill>
-                <a:effectLst/>
-                <a:latin typeface="Menlo" panose="020B0609030804020204" pitchFamily="49" charset="0"/>
-              </a:rPr>
-              <a:t>HttpRequestError.ConnectionError</a:t>
-            </a:r>
-            <a:r>
-              <a:rPr lang="en-GB" b="0" dirty="0">
-                <a:solidFill>
-                  <a:srgbClr val="000000"/>
-                </a:solidFill>
-                <a:effectLst/>
-                <a:latin typeface="Menlo" panose="020B0609030804020204" pitchFamily="49" charset="0"/>
-              </a:rPr>
-              <a:t>), weight: </a:t>
-            </a:r>
-            <a:r>
-              <a:rPr lang="en-GB" b="0" dirty="0">
-                <a:solidFill>
-                  <a:srgbClr val="098658"/>
-                </a:solidFill>
-                <a:effectLst/>
-                <a:latin typeface="Menlo" panose="020B0609030804020204" pitchFamily="49" charset="0"/>
-              </a:rPr>
-              <a:t>10</a:t>
-            </a:r>
-            <a:r>
-              <a:rPr lang="en-GB" b="0" dirty="0">
-                <a:solidFill>
-                  <a:srgbClr val="000000"/>
-                </a:solidFill>
-                <a:effectLst/>
-                <a:latin typeface="Menlo" panose="020B0609030804020204" pitchFamily="49" charset="0"/>
-              </a:rPr>
-              <a:t>),</a:t>
-            </a:r>
-          </a:p>
-          <a:p>
-            <a:r>
-              <a:rPr lang="en-GB" b="0" dirty="0">
-                <a:solidFill>
-                  <a:srgbClr val="000000"/>
-                </a:solidFill>
-                <a:effectLst/>
-                <a:latin typeface="Menlo" panose="020B0609030804020204" pitchFamily="49" charset="0"/>
-              </a:rPr>
-              <a:t>  })</a:t>
-            </a:r>
-          </a:p>
-        </p:txBody>
-      </p:sp>
-      <p:sp>
-        <p:nvSpPr>
-          <p:cNvPr id="39" name="Group">
-            <a:extLst>
-              <a:ext uri="{FF2B5EF4-FFF2-40B4-BE49-F238E27FC236}">
-                <a16:creationId xmlns:a16="http://schemas.microsoft.com/office/drawing/2014/main" id="{F01B4A33-5FBD-403C-A94A-5F649375B7DE}"/>
-              </a:ext>
-            </a:extLst>
-          </p:cNvPr>
-          <p:cNvSpPr/>
-          <p:nvPr/>
-        </p:nvSpPr>
-        <p:spPr>
-          <a:xfrm>
-            <a:off x="6014301" y="8640845"/>
-            <a:ext cx="7254762" cy="1225582"/>
-          </a:xfrm>
-          <a:prstGeom prst="rect">
-            <a:avLst/>
-          </a:prstGeom>
-          <a:solidFill>
-            <a:srgbClr val="79B0DC">
-              <a:alpha val="23776"/>
-            </a:srgbClr>
-          </a:solidFill>
-          <a:ln w="12700">
-            <a:miter lim="400000"/>
-          </a:ln>
-        </p:spPr>
-        <p:txBody>
-          <a:bodyPr lIns="54570" tIns="54570" rIns="54570" bIns="54570" anchor="ctr"/>
-          <a:lstStyle/>
-          <a:p>
-            <a:r>
-              <a:rPr lang="en-GB" b="0" dirty="0">
-                <a:solidFill>
-                  <a:srgbClr val="0000FF"/>
-                </a:solidFill>
-                <a:effectLst/>
-                <a:latin typeface="Menlo" panose="020B0609030804020204" pitchFamily="49" charset="0"/>
-              </a:rPr>
-              <a:t>new</a:t>
-            </a:r>
-            <a:r>
-              <a:rPr lang="en-GB" b="0" dirty="0">
-                <a:solidFill>
-                  <a:srgbClr val="000000"/>
-                </a:solidFill>
-                <a:effectLst/>
-                <a:latin typeface="Menlo" panose="020B0609030804020204" pitchFamily="49" charset="0"/>
-              </a:rPr>
-              <a:t> </a:t>
-            </a:r>
-            <a:r>
-              <a:rPr lang="en-GB" b="0" dirty="0" err="1">
-                <a:solidFill>
-                  <a:srgbClr val="000000"/>
-                </a:solidFill>
-                <a:effectLst/>
-                <a:latin typeface="Menlo" panose="020B0609030804020204" pitchFamily="49" charset="0"/>
-              </a:rPr>
-              <a:t>ResiliencePipelineBuilder</a:t>
-            </a:r>
-            <a:r>
-              <a:rPr lang="en-GB" b="0" dirty="0">
-                <a:solidFill>
-                  <a:srgbClr val="000000"/>
-                </a:solidFill>
-                <a:effectLst/>
-                <a:latin typeface="Menlo" panose="020B0609030804020204" pitchFamily="49" charset="0"/>
-              </a:rPr>
-              <a:t>&lt;</a:t>
-            </a:r>
-            <a:r>
-              <a:rPr lang="en-GB" b="0" dirty="0" err="1">
-                <a:solidFill>
-                  <a:srgbClr val="000000"/>
-                </a:solidFill>
-                <a:effectLst/>
-                <a:latin typeface="Menlo" panose="020B0609030804020204" pitchFamily="49" charset="0"/>
-              </a:rPr>
-              <a:t>HttpResponseMessage</a:t>
-            </a:r>
-            <a:r>
-              <a:rPr lang="en-GB" b="0" dirty="0">
-                <a:solidFill>
-                  <a:srgbClr val="000000"/>
-                </a:solidFill>
-                <a:effectLst/>
-                <a:latin typeface="Menlo" panose="020B0609030804020204" pitchFamily="49" charset="0"/>
-              </a:rPr>
-              <a:t>&gt;()</a:t>
-            </a:r>
-          </a:p>
-          <a:p>
-            <a:r>
-              <a:rPr lang="en-GB" b="0" dirty="0">
-                <a:solidFill>
-                  <a:srgbClr val="000000"/>
-                </a:solidFill>
-                <a:effectLst/>
-                <a:latin typeface="Menlo" panose="020B0609030804020204" pitchFamily="49" charset="0"/>
-              </a:rPr>
-              <a:t>  .</a:t>
-            </a:r>
-            <a:r>
-              <a:rPr lang="en-GB" b="0" dirty="0" err="1">
-                <a:solidFill>
-                  <a:srgbClr val="000000"/>
-                </a:solidFill>
-                <a:effectLst/>
-                <a:latin typeface="Menlo" panose="020B0609030804020204" pitchFamily="49" charset="0"/>
-              </a:rPr>
-              <a:t>AddChaosOutcome</a:t>
-            </a:r>
-            <a:r>
-              <a:rPr lang="en-GB" b="0" dirty="0">
-                <a:solidFill>
-                  <a:srgbClr val="000000"/>
-                </a:solidFill>
-                <a:effectLst/>
-                <a:latin typeface="Menlo" panose="020B0609030804020204" pitchFamily="49" charset="0"/>
-              </a:rPr>
-              <a:t>(</a:t>
-            </a:r>
-            <a:r>
-              <a:rPr lang="en-GB" b="0" dirty="0">
-                <a:solidFill>
-                  <a:srgbClr val="0000FF"/>
-                </a:solidFill>
-                <a:effectLst/>
-                <a:latin typeface="Menlo" panose="020B0609030804020204" pitchFamily="49" charset="0"/>
-              </a:rPr>
-              <a:t>new</a:t>
-            </a:r>
-            <a:r>
-              <a:rPr lang="en-GB" b="0" dirty="0">
-                <a:solidFill>
-                  <a:srgbClr val="000000"/>
-                </a:solidFill>
-                <a:effectLst/>
-                <a:latin typeface="Menlo" panose="020B0609030804020204" pitchFamily="49" charset="0"/>
-              </a:rPr>
-              <a:t> </a:t>
-            </a:r>
-            <a:r>
-              <a:rPr lang="en-GB" b="0" dirty="0" err="1">
-                <a:solidFill>
-                  <a:srgbClr val="000000"/>
-                </a:solidFill>
-                <a:effectLst/>
-                <a:latin typeface="Menlo" panose="020B0609030804020204" pitchFamily="49" charset="0"/>
-              </a:rPr>
-              <a:t>ChaosOutcomeStrategyOptions</a:t>
-            </a:r>
-            <a:r>
-              <a:rPr lang="en-GB" b="0" dirty="0">
-                <a:solidFill>
-                  <a:srgbClr val="000000"/>
-                </a:solidFill>
-                <a:effectLst/>
-                <a:latin typeface="Menlo" panose="020B0609030804020204" pitchFamily="49" charset="0"/>
-              </a:rPr>
-              <a:t>&lt;</a:t>
-            </a:r>
-            <a:r>
-              <a:rPr lang="en-GB" b="0" dirty="0" err="1">
-                <a:solidFill>
-                  <a:srgbClr val="000000"/>
-                </a:solidFill>
-                <a:effectLst/>
-                <a:latin typeface="Menlo" panose="020B0609030804020204" pitchFamily="49" charset="0"/>
-              </a:rPr>
-              <a:t>HttpResponseMessage</a:t>
-            </a:r>
-            <a:r>
-              <a:rPr lang="en-GB" b="0" dirty="0">
-                <a:solidFill>
-                  <a:srgbClr val="000000"/>
-                </a:solidFill>
-                <a:effectLst/>
-                <a:latin typeface="Menlo" panose="020B0609030804020204" pitchFamily="49" charset="0"/>
-              </a:rPr>
-              <a:t>&gt;</a:t>
-            </a:r>
-          </a:p>
-          <a:p>
-            <a:r>
-              <a:rPr lang="en-GB" b="0" dirty="0">
-                <a:solidFill>
-                  <a:srgbClr val="000000"/>
-                </a:solidFill>
-                <a:effectLst/>
-                <a:latin typeface="Menlo" panose="020B0609030804020204" pitchFamily="49" charset="0"/>
-              </a:rPr>
-              <a:t>  {</a:t>
-            </a:r>
-          </a:p>
-          <a:p>
-            <a:r>
-              <a:rPr lang="en-GB" b="0" dirty="0">
-                <a:solidFill>
-                  <a:srgbClr val="000000"/>
-                </a:solidFill>
-                <a:effectLst/>
-                <a:latin typeface="Menlo" panose="020B0609030804020204" pitchFamily="49" charset="0"/>
-              </a:rPr>
-              <a:t>    </a:t>
-            </a:r>
-            <a:r>
-              <a:rPr lang="en-GB" b="0" dirty="0" err="1">
-                <a:solidFill>
-                  <a:srgbClr val="000000"/>
-                </a:solidFill>
-                <a:effectLst/>
-                <a:latin typeface="Menlo" panose="020B0609030804020204" pitchFamily="49" charset="0"/>
-              </a:rPr>
-              <a:t>OnOutcomeInjected</a:t>
-            </a:r>
-            <a:r>
-              <a:rPr lang="en-GB" b="0" dirty="0">
-                <a:solidFill>
-                  <a:srgbClr val="000000"/>
-                </a:solidFill>
-                <a:effectLst/>
-                <a:latin typeface="Menlo" panose="020B0609030804020204" pitchFamily="49" charset="0"/>
-              </a:rPr>
-              <a:t> = </a:t>
-            </a:r>
-            <a:r>
-              <a:rPr lang="en-GB" b="0" dirty="0">
-                <a:solidFill>
-                  <a:srgbClr val="0000FF"/>
-                </a:solidFill>
-                <a:effectLst/>
-                <a:latin typeface="Menlo" panose="020B0609030804020204" pitchFamily="49" charset="0"/>
-              </a:rPr>
-              <a:t>static</a:t>
-            </a:r>
-            <a:r>
-              <a:rPr lang="en-GB" b="0" dirty="0">
-                <a:solidFill>
-                  <a:srgbClr val="000000"/>
-                </a:solidFill>
-                <a:effectLst/>
-                <a:latin typeface="Menlo" panose="020B0609030804020204" pitchFamily="49" charset="0"/>
-              </a:rPr>
-              <a:t> </a:t>
-            </a:r>
-            <a:r>
-              <a:rPr lang="en-GB" b="0" dirty="0">
-                <a:solidFill>
-                  <a:srgbClr val="0000FF"/>
-                </a:solidFill>
-                <a:effectLst/>
-                <a:latin typeface="Menlo" panose="020B0609030804020204" pitchFamily="49" charset="0"/>
-              </a:rPr>
-              <a:t>async</a:t>
-            </a:r>
-            <a:r>
-              <a:rPr lang="en-GB" b="0" dirty="0">
-                <a:solidFill>
-                  <a:srgbClr val="000000"/>
-                </a:solidFill>
-                <a:effectLst/>
-                <a:latin typeface="Menlo" panose="020B0609030804020204" pitchFamily="49" charset="0"/>
-              </a:rPr>
-              <a:t> </a:t>
-            </a:r>
-            <a:r>
-              <a:rPr lang="en-GB" b="0" dirty="0" err="1">
-                <a:solidFill>
-                  <a:srgbClr val="000000"/>
-                </a:solidFill>
-                <a:effectLst/>
-                <a:latin typeface="Menlo" panose="020B0609030804020204" pitchFamily="49" charset="0"/>
-              </a:rPr>
               <a:t>args</a:t>
             </a:r>
             <a:r>
@@ -6251,6 +5741,25 @@
                 <a:latin typeface="Menlo" panose="020B0609030804020204" pitchFamily="49" charset="0"/>
               </a:rPr>
               <a:t> =&gt; </a:t>
+            </a:r>
+            <a:br>
+              <a:rPr lang="en-GB" b="0" dirty="0">
+                <a:solidFill>
+                  <a:srgbClr val="000000"/>
+                </a:solidFill>
+                <a:effectLst/>
+                <a:latin typeface="Menlo" panose="020B0609030804020204" pitchFamily="49" charset="0"/>
+              </a:rPr>
+            </a:br>
+            <a:r>
+              <a:rPr lang="en-GB" b="0" dirty="0">
+                <a:solidFill>
+                  <a:srgbClr val="000000"/>
+                </a:solidFill>
+                <a:effectLst/>
+                <a:latin typeface="Menlo" panose="020B0609030804020204" pitchFamily="49" charset="0"/>
+              </a:rPr>
+              <a:t>      </a:t>
             </a:r>
             <a:r>
               <a:rPr lang="en-GB" b="0" dirty="0">
